--- a/files/Какую роль играют электронные устройства в нашей жизни.pptx
+++ b/files/Какую роль играют электронные устройства в нашей жизни.pptx
@@ -5,18 +5,21 @@
     <p:sldMasterId id="2147483660" r:id="rId1"/>
   </p:sldMasterIdLst>
   <p:notesMasterIdLst>
-    <p:notesMasterId r:id="rId11"/>
+    <p:notesMasterId r:id="rId14"/>
   </p:notesMasterIdLst>
   <p:sldIdLst>
     <p:sldId id="256" r:id="rId2"/>
-    <p:sldId id="257" r:id="rId3"/>
-    <p:sldId id="259" r:id="rId4"/>
-    <p:sldId id="265" r:id="rId5"/>
-    <p:sldId id="260" r:id="rId6"/>
-    <p:sldId id="262" r:id="rId7"/>
-    <p:sldId id="263" r:id="rId8"/>
-    <p:sldId id="264" r:id="rId9"/>
-    <p:sldId id="266" r:id="rId10"/>
+    <p:sldId id="267" r:id="rId3"/>
+    <p:sldId id="268" r:id="rId4"/>
+    <p:sldId id="269" r:id="rId5"/>
+    <p:sldId id="257" r:id="rId6"/>
+    <p:sldId id="259" r:id="rId7"/>
+    <p:sldId id="265" r:id="rId8"/>
+    <p:sldId id="260" r:id="rId9"/>
+    <p:sldId id="262" r:id="rId10"/>
+    <p:sldId id="263" r:id="rId11"/>
+    <p:sldId id="264" r:id="rId12"/>
+    <p:sldId id="266" r:id="rId13"/>
   </p:sldIdLst>
   <p:sldSz cx="9144000" cy="6858000" type="screen4x3"/>
   <p:notesSz cx="6858000" cy="9144000"/>
@@ -126,40 +129,18 @@
 
 <file path=ppt/charts/chart1.xml><?xml version="1.0" encoding="utf-8"?>
 <c:chartSpace xmlns:c="http://schemas.openxmlformats.org/drawingml/2006/chart" xmlns:a="http://schemas.openxmlformats.org/drawingml/2006/main" xmlns:r="http://schemas.openxmlformats.org/officeDocument/2006/relationships">
-  <c:date1904 val="0"/>
   <c:lang val="ru-RU"/>
-  <c:roundedCorners val="0"/>
-  <mc:AlternateContent xmlns:mc="http://schemas.openxmlformats.org/markup-compatibility/2006">
-    <mc:Choice xmlns:c14="http://schemas.microsoft.com/office/drawing/2007/8/2/chart" Requires="c14">
-      <c14:style val="131"/>
-    </mc:Choice>
-    <mc:Fallback>
-      <c:style val="31"/>
-    </mc:Fallback>
-  </mc:AlternateContent>
+  <c:style val="31"/>
   <c:chart>
     <c:autoTitleDeleted val="1"/>
     <c:view3D>
-      <c:rotX val="15"/>
-      <c:rotY val="20"/>
-      <c:rAngAx val="0"/>
       <c:perspective val="30"/>
     </c:view3D>
-    <c:floor>
-      <c:thickness val="0"/>
-    </c:floor>
-    <c:sideWall>
-      <c:thickness val="0"/>
-    </c:sideWall>
-    <c:backWall>
-      <c:thickness val="0"/>
-    </c:backWall>
     <c:plotArea>
       <c:layout/>
       <c:bar3DChart>
         <c:barDir val="col"/>
         <c:grouping val="stacked"/>
-        <c:varyColors val="0"/>
         <c:ser>
           <c:idx val="0"/>
           <c:order val="0"/>
@@ -174,7 +155,6 @@
               </c:strCache>
             </c:strRef>
           </c:tx>
-          <c:invertIfNegative val="0"/>
           <c:cat>
             <c:numRef>
               <c:f>Лист1!$A$2:$A$11</c:f>
@@ -254,52 +234,40 @@
             </c:numRef>
           </c:val>
         </c:ser>
-        <c:dLbls>
-          <c:showLegendKey val="0"/>
-          <c:showVal val="0"/>
-          <c:showCatName val="0"/>
-          <c:showSerName val="0"/>
-          <c:showPercent val="0"/>
-          <c:showBubbleSize val="0"/>
-        </c:dLbls>
+        <c:dLbls/>
         <c:gapWidth val="55"/>
         <c:gapDepth val="55"/>
         <c:shape val="box"/>
-        <c:axId val="83805312"/>
-        <c:axId val="144516992"/>
+        <c:axId val="129388544"/>
+        <c:axId val="129390080"/>
         <c:axId val="0"/>
       </c:bar3DChart>
       <c:catAx>
-        <c:axId val="83805312"/>
+        <c:axId val="129388544"/>
         <c:scaling>
           <c:orientation val="minMax"/>
         </c:scaling>
-        <c:delete val="0"/>
         <c:axPos val="b"/>
         <c:numFmt formatCode="General" sourceLinked="1"/>
         <c:majorTickMark val="none"/>
-        <c:minorTickMark val="none"/>
         <c:tickLblPos val="nextTo"/>
-        <c:crossAx val="144516992"/>
+        <c:crossAx val="129390080"/>
         <c:crosses val="autoZero"/>
         <c:auto val="1"/>
         <c:lblAlgn val="ctr"/>
         <c:lblOffset val="100"/>
-        <c:noMultiLvlLbl val="0"/>
       </c:catAx>
       <c:valAx>
-        <c:axId val="144516992"/>
+        <c:axId val="129390080"/>
         <c:scaling>
           <c:orientation val="minMax"/>
         </c:scaling>
-        <c:delete val="0"/>
         <c:axPos val="l"/>
         <c:majorGridlines/>
         <c:numFmt formatCode="General" sourceLinked="1"/>
         <c:majorTickMark val="none"/>
-        <c:minorTickMark val="none"/>
         <c:tickLblPos val="nextTo"/>
-        <c:crossAx val="83805312"/>
+        <c:crossAx val="129388544"/>
         <c:crosses val="autoZero"/>
         <c:crossBetween val="between"/>
       </c:valAx>
@@ -307,11 +275,9 @@
     <c:legend>
       <c:legendPos val="r"/>
       <c:layout/>
-      <c:overlay val="0"/>
     </c:legend>
     <c:plotVisOnly val="1"/>
     <c:dispBlanksAs val="gap"/>
-    <c:showDLblsOverMax val="0"/>
   </c:chart>
   <c:txPr>
     <a:bodyPr/>
@@ -323,42 +289,20 @@
       <a:endParaRPr lang="ru-RU"/>
     </a:p>
   </c:txPr>
-  <c:externalData r:id="rId1">
-    <c:autoUpdate val="0"/>
-  </c:externalData>
+  <c:externalData r:id="rId1"/>
 </c:chartSpace>
 </file>
 
 <file path=ppt/charts/chart2.xml><?xml version="1.0" encoding="utf-8"?>
 <c:chartSpace xmlns:c="http://schemas.openxmlformats.org/drawingml/2006/chart" xmlns:a="http://schemas.openxmlformats.org/drawingml/2006/main" xmlns:r="http://schemas.openxmlformats.org/officeDocument/2006/relationships">
-  <c:date1904 val="0"/>
   <c:lang val="ru-RU"/>
-  <c:roundedCorners val="0"/>
-  <mc:AlternateContent xmlns:mc="http://schemas.openxmlformats.org/markup-compatibility/2006">
-    <mc:Choice xmlns:c14="http://schemas.microsoft.com/office/drawing/2007/8/2/chart" Requires="c14">
-      <c14:style val="118"/>
-    </mc:Choice>
-    <mc:Fallback>
-      <c:style val="18"/>
-    </mc:Fallback>
-  </mc:AlternateContent>
+  <c:style val="18"/>
   <c:chart>
     <c:autoTitleDeleted val="1"/>
     <c:view3D>
       <c:rotX val="30"/>
-      <c:rotY val="0"/>
-      <c:rAngAx val="0"/>
       <c:perspective val="30"/>
     </c:view3D>
-    <c:floor>
-      <c:thickness val="0"/>
-    </c:floor>
-    <c:sideWall>
-      <c:thickness val="0"/>
-    </c:sideWall>
-    <c:backWall>
-      <c:thickness val="0"/>
-    </c:backWall>
     <c:plotArea>
       <c:layout/>
       <c:pie3DChart>
@@ -419,25 +363,15 @@
             </c:numRef>
           </c:val>
         </c:ser>
-        <c:dLbls>
-          <c:showLegendKey val="0"/>
-          <c:showVal val="0"/>
-          <c:showCatName val="0"/>
-          <c:showSerName val="0"/>
-          <c:showPercent val="0"/>
-          <c:showBubbleSize val="0"/>
-          <c:showLeaderLines val="1"/>
-        </c:dLbls>
+        <c:dLbls/>
       </c:pie3DChart>
     </c:plotArea>
     <c:legend>
       <c:legendPos val="r"/>
       <c:layout/>
-      <c:overlay val="0"/>
     </c:legend>
     <c:plotVisOnly val="1"/>
-    <c:dispBlanksAs val="gap"/>
-    <c:showDLblsOverMax val="0"/>
+    <c:dispBlanksAs val="zero"/>
   </c:chart>
   <c:txPr>
     <a:bodyPr/>
@@ -449,25 +383,14 @@
       <a:endParaRPr lang="ru-RU"/>
     </a:p>
   </c:txPr>
-  <c:externalData r:id="rId1">
-    <c:autoUpdate val="0"/>
-  </c:externalData>
+  <c:externalData r:id="rId1"/>
 </c:chartSpace>
 </file>
 
 <file path=ppt/charts/chart3.xml><?xml version="1.0" encoding="utf-8"?>
 <c:chartSpace xmlns:c="http://schemas.openxmlformats.org/drawingml/2006/chart" xmlns:a="http://schemas.openxmlformats.org/drawingml/2006/main" xmlns:r="http://schemas.openxmlformats.org/officeDocument/2006/relationships">
-  <c:date1904 val="0"/>
   <c:lang val="ru-RU"/>
-  <c:roundedCorners val="0"/>
-  <mc:AlternateContent xmlns:mc="http://schemas.openxmlformats.org/markup-compatibility/2006">
-    <mc:Choice xmlns:c14="http://schemas.microsoft.com/office/drawing/2007/8/2/chart" Requires="c14">
-      <c14:style val="130"/>
-    </mc:Choice>
-    <mc:Fallback>
-      <c:style val="30"/>
-    </mc:Fallback>
-  </mc:AlternateContent>
+  <c:style val="30"/>
   <c:chart>
     <c:autoTitleDeleted val="1"/>
     <c:plotArea>
@@ -476,10 +399,10 @@
           <c:layoutTarget val="inner"/>
           <c:xMode val="edge"/>
           <c:yMode val="edge"/>
-          <c:x val="0.12066227534172619"/>
+          <c:x val="0.1206622753417262"/>
           <c:y val="9.2863085455383645E-2"/>
           <c:w val="0.70502254135505416"/>
-          <c:h val="0.4619113201981388"/>
+          <c:h val="0.46191132019813874"/>
         </c:manualLayout>
       </c:layout>
       <c:pieChart>
@@ -500,7 +423,6 @@
           </c:tx>
           <c:dPt>
             <c:idx val="0"/>
-            <c:bubble3D val="0"/>
             <c:spPr>
               <a:solidFill>
                 <a:srgbClr val="FFC000"/>
@@ -509,7 +431,6 @@
           </c:dPt>
           <c:dPt>
             <c:idx val="1"/>
-            <c:bubble3D val="0"/>
             <c:spPr>
               <a:solidFill>
                 <a:schemeClr val="accent3">
@@ -521,7 +442,6 @@
           </c:dPt>
           <c:dPt>
             <c:idx val="2"/>
-            <c:bubble3D val="0"/>
             <c:spPr>
               <a:solidFill>
                 <a:srgbClr val="FF00FF"/>
@@ -530,7 +450,6 @@
           </c:dPt>
           <c:dPt>
             <c:idx val="3"/>
-            <c:bubble3D val="0"/>
             <c:spPr>
               <a:solidFill>
                 <a:srgbClr val="002060"/>
@@ -539,7 +458,6 @@
           </c:dPt>
           <c:dPt>
             <c:idx val="4"/>
-            <c:bubble3D val="0"/>
             <c:spPr>
               <a:solidFill>
                 <a:srgbClr val="7030A0"/>
@@ -548,7 +466,6 @@
           </c:dPt>
           <c:dPt>
             <c:idx val="6"/>
-            <c:bubble3D val="0"/>
             <c:spPr>
               <a:solidFill>
                 <a:schemeClr val="accent2">
@@ -559,7 +476,6 @@
           </c:dPt>
           <c:dPt>
             <c:idx val="7"/>
-            <c:bubble3D val="0"/>
             <c:spPr>
               <a:solidFill>
                 <a:schemeClr val="bg1"/>
@@ -568,7 +484,6 @@
           </c:dPt>
           <c:dPt>
             <c:idx val="8"/>
-            <c:bubble3D val="0"/>
             <c:spPr>
               <a:solidFill>
                 <a:srgbClr val="C00000"/>
@@ -580,31 +495,21 @@
               <c:idx val="0"/>
               <c:layout>
                 <c:manualLayout>
-                  <c:x val="-0.24894236897654651"/>
+                  <c:x val="-0.24894236897654654"/>
                   <c:y val="4.4213158946579373E-2"/>
                 </c:manualLayout>
               </c:layout>
-              <c:showLegendKey val="0"/>
-              <c:showVal val="0"/>
-              <c:showCatName val="0"/>
-              <c:showSerName val="0"/>
               <c:showPercent val="1"/>
-              <c:showBubbleSize val="0"/>
             </c:dLbl>
             <c:dLbl>
               <c:idx val="1"/>
               <c:layout>
                 <c:manualLayout>
-                  <c:x val="-9.1989535275807527E-2"/>
+                  <c:x val="-9.1989535275807513E-2"/>
                   <c:y val="-0.10478337655969262"/>
                 </c:manualLayout>
               </c:layout>
-              <c:showLegendKey val="0"/>
-              <c:showVal val="0"/>
-              <c:showCatName val="0"/>
-              <c:showSerName val="0"/>
               <c:showPercent val="1"/>
-              <c:showBubbleSize val="0"/>
             </c:dLbl>
             <c:dLbl>
               <c:idx val="2"/>
@@ -614,12 +519,7 @@
                   <c:y val="-9.3887237305688903E-2"/>
                 </c:manualLayout>
               </c:layout>
-              <c:showLegendKey val="0"/>
-              <c:showVal val="0"/>
-              <c:showCatName val="0"/>
-              <c:showSerName val="0"/>
               <c:showPercent val="1"/>
-              <c:showBubbleSize val="0"/>
             </c:dLbl>
             <c:dLbl>
               <c:idx val="3"/>
@@ -633,12 +533,7 @@
                   <c:y val="1.5575057432954448E-2"/>
                 </c:manualLayout>
               </c:layout>
-              <c:showLegendKey val="0"/>
-              <c:showVal val="0"/>
-              <c:showCatName val="0"/>
-              <c:showSerName val="0"/>
               <c:showPercent val="1"/>
-              <c:showBubbleSize val="0"/>
             </c:dLbl>
             <c:dLbl>
               <c:idx val="5"/>
@@ -648,16 +543,11 @@
               <c:idx val="6"/>
               <c:layout>
                 <c:manualLayout>
-                  <c:x val="-2.2006326782404308E-2"/>
-                  <c:y val="-7.4551103517233736E-3"/>
+                  <c:x val="-2.2006326782404318E-2"/>
+                  <c:y val="-7.4551103517233744E-3"/>
                 </c:manualLayout>
               </c:layout>
-              <c:showLegendKey val="0"/>
-              <c:showVal val="0"/>
-              <c:showCatName val="0"/>
-              <c:showSerName val="0"/>
               <c:showPercent val="1"/>
-              <c:showBubbleSize val="0"/>
             </c:dLbl>
             <c:dLbl>
               <c:idx val="7"/>
@@ -667,27 +557,17 @@
               <c:idx val="8"/>
               <c:layout>
                 <c:manualLayout>
-                  <c:x val="0.12427054888638112"/>
+                  <c:x val="0.12427054888638114"/>
                   <c:y val="9.6572603044106212E-2"/>
                 </c:manualLayout>
               </c:layout>
-              <c:showLegendKey val="0"/>
-              <c:showVal val="0"/>
-              <c:showCatName val="0"/>
-              <c:showSerName val="0"/>
               <c:showPercent val="1"/>
-              <c:showBubbleSize val="0"/>
             </c:dLbl>
             <c:dLbl>
               <c:idx val="9"/>
               <c:delete val="1"/>
             </c:dLbl>
-            <c:showLegendKey val="0"/>
-            <c:showVal val="0"/>
-            <c:showCatName val="0"/>
-            <c:showSerName val="0"/>
             <c:showPercent val="1"/>
-            <c:showBubbleSize val="0"/>
             <c:showLeaderLines val="1"/>
           </c:dLbls>
           <c:cat>
@@ -769,13 +649,7 @@
           </c:val>
         </c:ser>
         <c:dLbls>
-          <c:showLegendKey val="0"/>
-          <c:showVal val="0"/>
-          <c:showCatName val="0"/>
-          <c:showSerName val="0"/>
           <c:showPercent val="1"/>
-          <c:showBubbleSize val="0"/>
-          <c:showLeaderLines val="1"/>
         </c:dLbls>
         <c:firstSliceAng val="0"/>
       </c:pieChart>
@@ -786,17 +660,15 @@
         <c:manualLayout>
           <c:xMode val="edge"/>
           <c:yMode val="edge"/>
-          <c:x val="0.10210853764786364"/>
-          <c:y val="0.60897384326390325"/>
+          <c:x val="0.10210853764786362"/>
+          <c:y val="0.60897384326390336"/>
           <c:w val="0.71443387536397263"/>
           <c:h val="0.39016849341133231"/>
         </c:manualLayout>
       </c:layout>
-      <c:overlay val="0"/>
     </c:legend>
     <c:plotVisOnly val="1"/>
-    <c:dispBlanksAs val="gap"/>
-    <c:showDLblsOverMax val="0"/>
+    <c:dispBlanksAs val="zero"/>
   </c:chart>
   <c:txPr>
     <a:bodyPr/>
@@ -808,25 +680,14 @@
       <a:endParaRPr lang="ru-RU"/>
     </a:p>
   </c:txPr>
-  <c:externalData r:id="rId1">
-    <c:autoUpdate val="0"/>
-  </c:externalData>
+  <c:externalData r:id="rId1"/>
 </c:chartSpace>
 </file>
 
 <file path=ppt/charts/chart4.xml><?xml version="1.0" encoding="utf-8"?>
 <c:chartSpace xmlns:c="http://schemas.openxmlformats.org/drawingml/2006/chart" xmlns:a="http://schemas.openxmlformats.org/drawingml/2006/main" xmlns:r="http://schemas.openxmlformats.org/officeDocument/2006/relationships">
-  <c:date1904 val="0"/>
   <c:lang val="ru-RU"/>
-  <c:roundedCorners val="0"/>
-  <mc:AlternateContent xmlns:mc="http://schemas.openxmlformats.org/markup-compatibility/2006">
-    <mc:Choice xmlns:c14="http://schemas.microsoft.com/office/drawing/2007/8/2/chart" Requires="c14">
-      <c14:style val="130"/>
-    </mc:Choice>
-    <mc:Fallback>
-      <c:style val="30"/>
-    </mc:Fallback>
-  </mc:AlternateContent>
+  <c:style val="30"/>
   <c:chart>
     <c:autoTitleDeleted val="1"/>
     <c:plotArea>
@@ -835,7 +696,7 @@
           <c:layoutTarget val="inner"/>
           <c:xMode val="edge"/>
           <c:yMode val="edge"/>
-          <c:x val="0.12066227534172622"/>
+          <c:x val="0.12066227534172623"/>
           <c:y val="9.2863085455383645E-2"/>
           <c:w val="0.70502254135505416"/>
           <c:h val="0.46191132019813874"/>
@@ -859,7 +720,6 @@
           </c:tx>
           <c:dPt>
             <c:idx val="0"/>
-            <c:bubble3D val="0"/>
             <c:spPr>
               <a:solidFill>
                 <a:srgbClr val="FFC000"/>
@@ -868,7 +728,6 @@
           </c:dPt>
           <c:dPt>
             <c:idx val="1"/>
-            <c:bubble3D val="0"/>
             <c:spPr>
               <a:solidFill>
                 <a:schemeClr val="accent3">
@@ -880,7 +739,6 @@
           </c:dPt>
           <c:dPt>
             <c:idx val="2"/>
-            <c:bubble3D val="0"/>
             <c:spPr>
               <a:solidFill>
                 <a:srgbClr val="FF00FF"/>
@@ -889,7 +747,6 @@
           </c:dPt>
           <c:dPt>
             <c:idx val="3"/>
-            <c:bubble3D val="0"/>
             <c:spPr>
               <a:solidFill>
                 <a:srgbClr val="002060"/>
@@ -898,7 +755,6 @@
           </c:dPt>
           <c:dPt>
             <c:idx val="4"/>
-            <c:bubble3D val="0"/>
             <c:spPr>
               <a:solidFill>
                 <a:srgbClr val="7030A0"/>
@@ -907,7 +763,6 @@
           </c:dPt>
           <c:dPt>
             <c:idx val="6"/>
-            <c:bubble3D val="0"/>
             <c:spPr>
               <a:solidFill>
                 <a:schemeClr val="accent2">
@@ -918,7 +773,6 @@
           </c:dPt>
           <c:dPt>
             <c:idx val="7"/>
-            <c:bubble3D val="0"/>
             <c:spPr>
               <a:solidFill>
                 <a:schemeClr val="bg1"/>
@@ -927,7 +781,6 @@
           </c:dPt>
           <c:dPt>
             <c:idx val="8"/>
-            <c:bubble3D val="0"/>
             <c:spPr>
               <a:solidFill>
                 <a:srgbClr val="C00000"/>
@@ -939,7 +792,7 @@
               <c:idx val="0"/>
               <c:layout>
                 <c:manualLayout>
-                  <c:x val="-0.21181199165005063"/>
+                  <c:x val="-0.21181199165005066"/>
                   <c:y val="4.2185925701741962E-2"/>
                 </c:manualLayout>
               </c:layout>
@@ -956,19 +809,14 @@
                   </a:p>
                 </c:rich>
               </c:tx>
-              <c:showLegendKey val="0"/>
-              <c:showVal val="0"/>
-              <c:showCatName val="0"/>
-              <c:showSerName val="0"/>
               <c:showPercent val="1"/>
-              <c:showBubbleSize val="0"/>
             </c:dLbl>
             <c:dLbl>
               <c:idx val="1"/>
               <c:layout>
                 <c:manualLayout>
                   <c:x val="-6.414175228093566E-2"/>
-                  <c:y val="-0.11694677602871714"/>
+                  <c:y val="-0.11694677602871716"/>
                 </c:manualLayout>
               </c:layout>
               <c:tx>
@@ -984,18 +832,13 @@
                   </a:p>
                 </c:rich>
               </c:tx>
-              <c:showLegendKey val="0"/>
-              <c:showVal val="0"/>
-              <c:showCatName val="0"/>
-              <c:showSerName val="0"/>
               <c:showPercent val="1"/>
-              <c:showBubbleSize val="0"/>
             </c:dLbl>
             <c:dLbl>
               <c:idx val="2"/>
               <c:layout>
                 <c:manualLayout>
-                  <c:x val="0.16031844414948052"/>
+                  <c:x val="0.16031844414948057"/>
                   <c:y val="-9.3887237305688903E-2"/>
                 </c:manualLayout>
               </c:layout>
@@ -1012,12 +855,7 @@
                   </a:p>
                 </c:rich>
               </c:tx>
-              <c:showLegendKey val="0"/>
-              <c:showVal val="0"/>
-              <c:showCatName val="0"/>
-              <c:showSerName val="0"/>
               <c:showPercent val="1"/>
-              <c:showBubbleSize val="0"/>
             </c:dLbl>
             <c:dLbl>
               <c:idx val="3"/>
@@ -1044,12 +882,7 @@
                   </a:p>
                 </c:rich>
               </c:tx>
-              <c:showLegendKey val="0"/>
-              <c:showVal val="0"/>
-              <c:showCatName val="0"/>
-              <c:showSerName val="0"/>
               <c:showPercent val="1"/>
-              <c:showBubbleSize val="0"/>
             </c:dLbl>
             <c:dLbl>
               <c:idx val="5"/>
@@ -1059,8 +892,8 @@
               <c:idx val="6"/>
               <c:layout>
                 <c:manualLayout>
-                  <c:x val="-2.8194723003486931E-2"/>
-                  <c:y val="-1.9618509820747893E-2"/>
+                  <c:x val="-2.8194723003486927E-2"/>
+                  <c:y val="-1.9618509820747896E-2"/>
                 </c:manualLayout>
               </c:layout>
               <c:tx>
@@ -1076,12 +909,7 @@
                   </a:p>
                 </c:rich>
               </c:tx>
-              <c:showLegendKey val="0"/>
-              <c:showVal val="0"/>
-              <c:showCatName val="0"/>
-              <c:showSerName val="0"/>
               <c:showPercent val="1"/>
-              <c:showBubbleSize val="0"/>
             </c:dLbl>
             <c:dLbl>
               <c:idx val="7"/>
@@ -1091,7 +919,7 @@
               <c:idx val="8"/>
               <c:layout>
                 <c:manualLayout>
-                  <c:x val="0.10879955833367448"/>
+                  <c:x val="0.10879955833367451"/>
                   <c:y val="9.6572603044106212E-2"/>
                 </c:manualLayout>
               </c:layout>
@@ -1108,23 +936,13 @@
                   </a:p>
                 </c:rich>
               </c:tx>
-              <c:showLegendKey val="0"/>
-              <c:showVal val="0"/>
-              <c:showCatName val="0"/>
-              <c:showSerName val="0"/>
               <c:showPercent val="1"/>
-              <c:showBubbleSize val="0"/>
             </c:dLbl>
             <c:dLbl>
               <c:idx val="9"/>
               <c:delete val="1"/>
             </c:dLbl>
-            <c:showLegendKey val="0"/>
-            <c:showVal val="0"/>
-            <c:showCatName val="0"/>
-            <c:showSerName val="0"/>
             <c:showPercent val="1"/>
-            <c:showBubbleSize val="0"/>
             <c:showLeaderLines val="1"/>
           </c:dLbls>
           <c:cat>
@@ -1206,13 +1024,7 @@
           </c:val>
         </c:ser>
         <c:dLbls>
-          <c:showLegendKey val="0"/>
-          <c:showVal val="0"/>
-          <c:showCatName val="0"/>
-          <c:showSerName val="0"/>
           <c:showPercent val="1"/>
-          <c:showBubbleSize val="0"/>
-          <c:showLeaderLines val="1"/>
         </c:dLbls>
         <c:firstSliceAng val="0"/>
       </c:pieChart>
@@ -1223,17 +1035,15 @@
         <c:manualLayout>
           <c:xMode val="edge"/>
           <c:yMode val="edge"/>
-          <c:x val="0.1021085376478636"/>
-          <c:y val="0.60897384326390358"/>
+          <c:x val="0.10210853764786358"/>
+          <c:y val="0.6089738432639038"/>
           <c:w val="0.71443387536397263"/>
           <c:h val="0.39016849341133231"/>
         </c:manualLayout>
       </c:layout>
-      <c:overlay val="0"/>
     </c:legend>
     <c:plotVisOnly val="1"/>
-    <c:dispBlanksAs val="gap"/>
-    <c:showDLblsOverMax val="0"/>
+    <c:dispBlanksAs val="zero"/>
   </c:chart>
   <c:txPr>
     <a:bodyPr/>
@@ -1245,32 +1055,20 @@
       <a:endParaRPr lang="ru-RU"/>
     </a:p>
   </c:txPr>
-  <c:externalData r:id="rId1">
-    <c:autoUpdate val="0"/>
-  </c:externalData>
+  <c:externalData r:id="rId1"/>
 </c:chartSpace>
 </file>
 
 <file path=ppt/charts/chart5.xml><?xml version="1.0" encoding="utf-8"?>
 <c:chartSpace xmlns:c="http://schemas.openxmlformats.org/drawingml/2006/chart" xmlns:a="http://schemas.openxmlformats.org/drawingml/2006/main" xmlns:r="http://schemas.openxmlformats.org/officeDocument/2006/relationships">
-  <c:date1904 val="0"/>
   <c:lang val="ru-RU"/>
-  <c:roundedCorners val="0"/>
-  <mc:AlternateContent xmlns:mc="http://schemas.openxmlformats.org/markup-compatibility/2006">
-    <mc:Choice xmlns:c14="http://schemas.microsoft.com/office/drawing/2007/8/2/chart" Requires="c14">
-      <c14:style val="130"/>
-    </mc:Choice>
-    <mc:Fallback>
-      <c:style val="30"/>
-    </mc:Fallback>
-  </mc:AlternateContent>
+  <c:style val="30"/>
   <c:chart>
     <c:autoTitleDeleted val="1"/>
     <c:plotArea>
       <c:layout/>
       <c:radarChart>
         <c:radarStyle val="marker"/>
-        <c:varyColors val="0"/>
         <c:ser>
           <c:idx val="0"/>
           <c:order val="0"/>
@@ -1417,61 +1215,48 @@
             </c:numRef>
           </c:val>
         </c:ser>
-        <c:dLbls>
-          <c:showLegendKey val="0"/>
-          <c:showVal val="0"/>
-          <c:showCatName val="0"/>
-          <c:showSerName val="0"/>
-          <c:showPercent val="0"/>
-          <c:showBubbleSize val="0"/>
-        </c:dLbls>
-        <c:axId val="144189312"/>
-        <c:axId val="144190848"/>
+        <c:dLbls/>
+        <c:axId val="130021632"/>
+        <c:axId val="90152960"/>
       </c:radarChart>
       <c:catAx>
-        <c:axId val="144189312"/>
+        <c:axId val="130021632"/>
         <c:scaling>
           <c:orientation val="minMax"/>
         </c:scaling>
-        <c:delete val="0"/>
         <c:axPos val="b"/>
         <c:majorGridlines/>
         <c:numFmt formatCode="dd/mm/yyyy" sourceLinked="1"/>
         <c:majorTickMark val="none"/>
-        <c:minorTickMark val="none"/>
         <c:tickLblPos val="nextTo"/>
         <c:spPr>
           <a:ln w="10000">
             <a:noFill/>
           </a:ln>
         </c:spPr>
-        <c:crossAx val="144190848"/>
+        <c:crossAx val="90152960"/>
         <c:crosses val="autoZero"/>
         <c:auto val="1"/>
         <c:lblAlgn val="ctr"/>
         <c:lblOffset val="100"/>
-        <c:noMultiLvlLbl val="0"/>
       </c:catAx>
       <c:valAx>
-        <c:axId val="144190848"/>
+        <c:axId val="90152960"/>
         <c:scaling>
           <c:orientation val="minMax"/>
         </c:scaling>
-        <c:delete val="0"/>
         <c:axPos val="l"/>
         <c:majorGridlines/>
         <c:numFmt formatCode="General" sourceLinked="1"/>
         <c:majorTickMark val="none"/>
-        <c:minorTickMark val="none"/>
         <c:tickLblPos val="nextTo"/>
-        <c:crossAx val="144189312"/>
+        <c:crossAx val="130021632"/>
         <c:crosses val="autoZero"/>
         <c:crossBetween val="between"/>
       </c:valAx>
     </c:plotArea>
     <c:plotVisOnly val="1"/>
     <c:dispBlanksAs val="gap"/>
-    <c:showDLblsOverMax val="0"/>
   </c:chart>
   <c:txPr>
     <a:bodyPr/>
@@ -1483,42 +1268,20 @@
       <a:endParaRPr lang="ru-RU"/>
     </a:p>
   </c:txPr>
-  <c:externalData r:id="rId1">
-    <c:autoUpdate val="0"/>
-  </c:externalData>
+  <c:externalData r:id="rId1"/>
 </c:chartSpace>
 </file>
 
 <file path=ppt/charts/chart6.xml><?xml version="1.0" encoding="utf-8"?>
 <c:chartSpace xmlns:c="http://schemas.openxmlformats.org/drawingml/2006/chart" xmlns:a="http://schemas.openxmlformats.org/drawingml/2006/main" xmlns:r="http://schemas.openxmlformats.org/officeDocument/2006/relationships">
-  <c:date1904 val="0"/>
   <c:lang val="ru-RU"/>
-  <c:roundedCorners val="0"/>
-  <mc:AlternateContent xmlns:mc="http://schemas.openxmlformats.org/markup-compatibility/2006">
-    <mc:Choice xmlns:c14="http://schemas.microsoft.com/office/drawing/2007/8/2/chart" Requires="c14">
-      <c14:style val="108"/>
-    </mc:Choice>
-    <mc:Fallback>
-      <c:style val="8"/>
-    </mc:Fallback>
-  </mc:AlternateContent>
+  <c:style val="8"/>
   <c:chart>
     <c:autoTitleDeleted val="1"/>
     <c:view3D>
       <c:rotX val="30"/>
-      <c:rotY val="0"/>
-      <c:rAngAx val="0"/>
       <c:perspective val="30"/>
     </c:view3D>
-    <c:floor>
-      <c:thickness val="0"/>
-    </c:floor>
-    <c:sideWall>
-      <c:thickness val="0"/>
-    </c:sideWall>
-    <c:backWall>
-      <c:thickness val="0"/>
-    </c:backWall>
     <c:plotArea>
       <c:layout/>
       <c:pie3DChart>
@@ -1542,38 +1305,23 @@
               <c:idx val="0"/>
               <c:layout>
                 <c:manualLayout>
-                  <c:x val="-0.18731989915734226"/>
+                  <c:x val="-0.18731989915734232"/>
                   <c:y val="-0.16065026617545619"/>
                 </c:manualLayout>
               </c:layout>
-              <c:showLegendKey val="0"/>
-              <c:showVal val="0"/>
-              <c:showCatName val="0"/>
-              <c:showSerName val="0"/>
               <c:showPercent val="1"/>
-              <c:showBubbleSize val="0"/>
             </c:dLbl>
             <c:dLbl>
               <c:idx val="1"/>
               <c:layout>
                 <c:manualLayout>
-                  <c:x val="0.18960451489616431"/>
-                  <c:y val="3.1527220069457067E-2"/>
+                  <c:x val="0.18960451489616434"/>
+                  <c:y val="3.1527220069457074E-2"/>
                 </c:manualLayout>
               </c:layout>
-              <c:showLegendKey val="0"/>
-              <c:showVal val="0"/>
-              <c:showCatName val="0"/>
-              <c:showSerName val="0"/>
               <c:showPercent val="1"/>
-              <c:showBubbleSize val="0"/>
             </c:dLbl>
-            <c:showLegendKey val="0"/>
-            <c:showVal val="0"/>
-            <c:showCatName val="0"/>
-            <c:showSerName val="0"/>
             <c:showPercent val="1"/>
-            <c:showBubbleSize val="0"/>
             <c:showLeaderLines val="1"/>
           </c:dLbls>
           <c:cat>
@@ -1607,24 +1355,16 @@
           </c:val>
         </c:ser>
         <c:dLbls>
-          <c:showLegendKey val="0"/>
-          <c:showVal val="0"/>
-          <c:showCatName val="0"/>
-          <c:showSerName val="0"/>
           <c:showPercent val="1"/>
-          <c:showBubbleSize val="0"/>
-          <c:showLeaderLines val="1"/>
         </c:dLbls>
       </c:pie3DChart>
     </c:plotArea>
     <c:legend>
       <c:legendPos val="r"/>
       <c:layout/>
-      <c:overlay val="0"/>
     </c:legend>
     <c:plotVisOnly val="1"/>
-    <c:dispBlanksAs val="gap"/>
-    <c:showDLblsOverMax val="0"/>
+    <c:dispBlanksAs val="zero"/>
   </c:chart>
   <c:txPr>
     <a:bodyPr/>
@@ -1636,42 +1376,20 @@
       <a:endParaRPr lang="ru-RU"/>
     </a:p>
   </c:txPr>
-  <c:externalData r:id="rId1">
-    <c:autoUpdate val="0"/>
-  </c:externalData>
+  <c:externalData r:id="rId1"/>
 </c:chartSpace>
 </file>
 
 <file path=ppt/charts/chart7.xml><?xml version="1.0" encoding="utf-8"?>
 <c:chartSpace xmlns:c="http://schemas.openxmlformats.org/drawingml/2006/chart" xmlns:a="http://schemas.openxmlformats.org/drawingml/2006/main" xmlns:r="http://schemas.openxmlformats.org/officeDocument/2006/relationships">
-  <c:date1904 val="0"/>
   <c:lang val="ru-RU"/>
-  <c:roundedCorners val="0"/>
-  <mc:AlternateContent xmlns:mc="http://schemas.openxmlformats.org/markup-compatibility/2006">
-    <mc:Choice xmlns:c14="http://schemas.microsoft.com/office/drawing/2007/8/2/chart" Requires="c14">
-      <c14:style val="126"/>
-    </mc:Choice>
-    <mc:Fallback>
-      <c:style val="26"/>
-    </mc:Fallback>
-  </mc:AlternateContent>
+  <c:style val="26"/>
   <c:chart>
     <c:autoTitleDeleted val="1"/>
     <c:view3D>
       <c:rotX val="30"/>
-      <c:rotY val="0"/>
-      <c:rAngAx val="0"/>
       <c:perspective val="30"/>
     </c:view3D>
-    <c:floor>
-      <c:thickness val="0"/>
-    </c:floor>
-    <c:sideWall>
-      <c:thickness val="0"/>
-    </c:sideWall>
-    <c:backWall>
-      <c:thickness val="0"/>
-    </c:backWall>
     <c:plotArea>
       <c:layout/>
       <c:pie3DChart>
@@ -1692,7 +1410,6 @@
           </c:tx>
           <c:dPt>
             <c:idx val="1"/>
-            <c:bubble3D val="0"/>
             <c:spPr>
               <a:solidFill>
                 <a:schemeClr val="accent3">
@@ -1706,16 +1423,11 @@
               <c:idx val="0"/>
               <c:layout>
                 <c:manualLayout>
-                  <c:x val="-6.5862457982225925E-2"/>
+                  <c:x val="-6.5862457982225939E-2"/>
                   <c:y val="0.11132815520766635"/>
                 </c:manualLayout>
               </c:layout>
-              <c:showLegendKey val="0"/>
-              <c:showVal val="0"/>
-              <c:showCatName val="0"/>
-              <c:showSerName val="0"/>
               <c:showPercent val="1"/>
-              <c:showBubbleSize val="0"/>
             </c:dLbl>
             <c:dLbl>
               <c:idx val="1"/>
@@ -1725,34 +1437,19 @@
                   <c:y val="-0.24086790830325133"/>
                 </c:manualLayout>
               </c:layout>
-              <c:showLegendKey val="0"/>
-              <c:showVal val="0"/>
-              <c:showCatName val="0"/>
-              <c:showSerName val="0"/>
               <c:showPercent val="1"/>
-              <c:showBubbleSize val="0"/>
             </c:dLbl>
             <c:dLbl>
               <c:idx val="2"/>
               <c:layout>
                 <c:manualLayout>
-                  <c:x val="0.20342168577612016"/>
-                  <c:y val="5.0423313319908569E-2"/>
+                  <c:x val="0.20342168577612021"/>
+                  <c:y val="5.0423313319908576E-2"/>
                 </c:manualLayout>
               </c:layout>
-              <c:showLegendKey val="0"/>
-              <c:showVal val="0"/>
-              <c:showCatName val="0"/>
-              <c:showSerName val="0"/>
               <c:showPercent val="1"/>
-              <c:showBubbleSize val="0"/>
             </c:dLbl>
-            <c:showLegendKey val="0"/>
-            <c:showVal val="0"/>
-            <c:showCatName val="0"/>
-            <c:showSerName val="0"/>
             <c:showPercent val="1"/>
-            <c:showBubbleSize val="0"/>
             <c:showLeaderLines val="1"/>
           </c:dLbls>
           <c:cat>
@@ -1792,24 +1489,16 @@
           </c:val>
         </c:ser>
         <c:dLbls>
-          <c:showLegendKey val="0"/>
-          <c:showVal val="0"/>
-          <c:showCatName val="0"/>
-          <c:showSerName val="0"/>
           <c:showPercent val="1"/>
-          <c:showBubbleSize val="0"/>
-          <c:showLeaderLines val="1"/>
         </c:dLbls>
       </c:pie3DChart>
     </c:plotArea>
     <c:legend>
       <c:legendPos val="t"/>
       <c:layout/>
-      <c:overlay val="0"/>
     </c:legend>
     <c:plotVisOnly val="1"/>
-    <c:dispBlanksAs val="gap"/>
-    <c:showDLblsOverMax val="0"/>
+    <c:dispBlanksAs val="zero"/>
   </c:chart>
   <c:txPr>
     <a:bodyPr/>
@@ -1821,9 +1510,7 @@
       <a:endParaRPr lang="ru-RU"/>
     </a:p>
   </c:txPr>
-  <c:externalData r:id="rId1">
-    <c:autoUpdate val="0"/>
-  </c:externalData>
+  <c:externalData r:id="rId1"/>
 </c:chartSpace>
 </file>
 
@@ -1909,7 +1596,8 @@
           <a:p>
             <a:fld id="{9A92C170-EFDA-474E-957E-E9F7B2E0B380}" type="datetimeFigureOut">
               <a:rPr lang="ru-RU" smtClean="0"/>
-              <a:t>01.01.2017</a:t>
+              <a:pPr/>
+              <a:t>08.01.2017</a:t>
             </a:fld>
             <a:endParaRPr lang="ru-RU"/>
           </a:p>
@@ -2068,6 +1756,7 @@
           <a:p>
             <a:fld id="{7382366F-4C69-4320-9AD8-F1FCD3DB648D}" type="slidenum">
               <a:rPr lang="ru-RU" smtClean="0"/>
+              <a:pPr/>
               <a:t>‹#›</a:t>
             </a:fld>
             <a:endParaRPr lang="ru-RU"/>
@@ -2077,7 +1766,7 @@
     </p:spTree>
     <p:extLst>
       <p:ext uri="{BB962C8B-B14F-4D97-AF65-F5344CB8AC3E}">
-        <p14:creationId xmlns:p14="http://schemas.microsoft.com/office/powerpoint/2010/main" val="4269242631"/>
+        <p14:creationId xmlns:p14="http://schemas.microsoft.com/office/powerpoint/2010/main" xmlns="" val="4269242631"/>
       </p:ext>
     </p:extLst>
   </p:cSld>
@@ -2353,7 +2042,7 @@
             <a:fld id="{332F7041-AEAD-479C-AEC0-C036B5CB9E34}" type="datetimeFigureOut">
               <a:rPr lang="ru-RU" smtClean="0"/>
               <a:pPr/>
-              <a:t>01.01.2017</a:t>
+              <a:t>08.01.2017</a:t>
             </a:fld>
             <a:endParaRPr lang="ru-RU"/>
           </a:p>
@@ -2528,7 +2217,7 @@
             <a:fld id="{332F7041-AEAD-479C-AEC0-C036B5CB9E34}" type="datetimeFigureOut">
               <a:rPr lang="ru-RU" smtClean="0"/>
               <a:pPr/>
-              <a:t>01.01.2017</a:t>
+              <a:t>08.01.2017</a:t>
             </a:fld>
             <a:endParaRPr lang="ru-RU"/>
           </a:p>
@@ -2708,7 +2397,7 @@
             <a:fld id="{332F7041-AEAD-479C-AEC0-C036B5CB9E34}" type="datetimeFigureOut">
               <a:rPr lang="ru-RU" smtClean="0"/>
               <a:pPr/>
-              <a:t>01.01.2017</a:t>
+              <a:t>08.01.2017</a:t>
             </a:fld>
             <a:endParaRPr lang="ru-RU"/>
           </a:p>
@@ -2878,7 +2567,7 @@
             <a:fld id="{332F7041-AEAD-479C-AEC0-C036B5CB9E34}" type="datetimeFigureOut">
               <a:rPr lang="ru-RU" smtClean="0"/>
               <a:pPr/>
-              <a:t>01.01.2017</a:t>
+              <a:t>08.01.2017</a:t>
             </a:fld>
             <a:endParaRPr lang="ru-RU"/>
           </a:p>
@@ -3117,7 +2806,7 @@
             <a:fld id="{332F7041-AEAD-479C-AEC0-C036B5CB9E34}" type="datetimeFigureOut">
               <a:rPr lang="ru-RU" smtClean="0"/>
               <a:pPr/>
-              <a:t>01.01.2017</a:t>
+              <a:t>08.01.2017</a:t>
             </a:fld>
             <a:endParaRPr lang="ru-RU"/>
           </a:p>
@@ -3418,7 +3107,7 @@
             <a:fld id="{332F7041-AEAD-479C-AEC0-C036B5CB9E34}" type="datetimeFigureOut">
               <a:rPr lang="ru-RU" smtClean="0"/>
               <a:pPr/>
-              <a:t>01.01.2017</a:t>
+              <a:t>08.01.2017</a:t>
             </a:fld>
             <a:endParaRPr lang="ru-RU"/>
           </a:p>
@@ -3807,7 +3496,7 @@
             <a:fld id="{332F7041-AEAD-479C-AEC0-C036B5CB9E34}" type="datetimeFigureOut">
               <a:rPr lang="ru-RU" smtClean="0"/>
               <a:pPr/>
-              <a:t>01.01.2017</a:t>
+              <a:t>08.01.2017</a:t>
             </a:fld>
             <a:endParaRPr lang="ru-RU"/>
           </a:p>
@@ -3985,7 +3674,7 @@
             <a:fld id="{332F7041-AEAD-479C-AEC0-C036B5CB9E34}" type="datetimeFigureOut">
               <a:rPr lang="ru-RU" smtClean="0"/>
               <a:pPr/>
-              <a:t>01.01.2017</a:t>
+              <a:t>08.01.2017</a:t>
             </a:fld>
             <a:endParaRPr lang="ru-RU"/>
           </a:p>
@@ -4080,7 +3769,7 @@
             <a:fld id="{332F7041-AEAD-479C-AEC0-C036B5CB9E34}" type="datetimeFigureOut">
               <a:rPr lang="ru-RU" smtClean="0"/>
               <a:pPr/>
-              <a:t>01.01.2017</a:t>
+              <a:t>08.01.2017</a:t>
             </a:fld>
             <a:endParaRPr lang="ru-RU"/>
           </a:p>
@@ -4380,7 +4069,7 @@
             <a:fld id="{332F7041-AEAD-479C-AEC0-C036B5CB9E34}" type="datetimeFigureOut">
               <a:rPr lang="ru-RU" smtClean="0"/>
               <a:pPr/>
-              <a:t>01.01.2017</a:t>
+              <a:t>08.01.2017</a:t>
             </a:fld>
             <a:endParaRPr lang="ru-RU"/>
           </a:p>
@@ -4519,7 +4208,7 @@
             <a:fld id="{332F7041-AEAD-479C-AEC0-C036B5CB9E34}" type="datetimeFigureOut">
               <a:rPr lang="ru-RU" smtClean="0"/>
               <a:pPr/>
-              <a:t>01.01.2017</a:t>
+              <a:t>08.01.2017</a:t>
             </a:fld>
             <a:endParaRPr lang="ru-RU"/>
           </a:p>
@@ -4827,7 +4516,7 @@
             <a:fld id="{332F7041-AEAD-479C-AEC0-C036B5CB9E34}" type="datetimeFigureOut">
               <a:rPr lang="ru-RU" smtClean="0"/>
               <a:pPr/>
-              <a:t>01.01.2017</a:t>
+              <a:t>08.01.2017</a:t>
             </a:fld>
             <a:endParaRPr lang="ru-RU"/>
           </a:p>
@@ -5723,7 +5412,7 @@
 </p:sld>
 </file>
 
-<file path=ppt/slides/slide2.xml><?xml version="1.0" encoding="utf-8"?>
+<file path=ppt/slides/slide10.xml><?xml version="1.0" encoding="utf-8"?>
 <p:sld xmlns:a="http://schemas.openxmlformats.org/drawingml/2006/main" xmlns:r="http://schemas.openxmlformats.org/officeDocument/2006/relationships" xmlns:p="http://schemas.openxmlformats.org/presentationml/2006/main">
   <p:cSld>
     <p:spTree>
@@ -5752,317 +5441,13 @@
         </p:nvSpPr>
         <p:spPr/>
         <p:txBody>
-          <a:bodyPr>
-            <a:normAutofit/>
-          </a:bodyPr>
+          <a:bodyPr/>
           <a:lstStyle/>
           <a:p>
             <a:pPr algn="ctr"/>
             <a:r>
-              <a:rPr lang="ru-RU" dirty="0" smtClean="0">
-                <a:ln>
-                  <a:solidFill>
-                    <a:schemeClr val="tx1"/>
-                  </a:solidFill>
-                </a:ln>
-                <a:latin typeface="Mistral" pitchFamily="66" charset="0"/>
-              </a:rPr>
-              <a:t>Анкета, составленная нами в </a:t>
-            </a:r>
-            <a:r>
-              <a:rPr lang="en-US" dirty="0" err="1" smtClean="0">
-                <a:ln>
-                  <a:solidFill>
-                    <a:schemeClr val="tx1"/>
-                  </a:solidFill>
-                </a:ln>
-                <a:latin typeface="Mistral" pitchFamily="66" charset="0"/>
-              </a:rPr>
-              <a:t>google</a:t>
-            </a:r>
-            <a:r>
-              <a:rPr lang="en-US" dirty="0" smtClean="0">
-                <a:ln>
-                  <a:solidFill>
-                    <a:schemeClr val="tx1"/>
-                  </a:solidFill>
-                </a:ln>
-                <a:latin typeface="Mistral" pitchFamily="66" charset="0"/>
-              </a:rPr>
-              <a:t>-</a:t>
-            </a:r>
-            <a:r>
-              <a:rPr lang="ru-RU" dirty="0" smtClean="0">
-                <a:ln>
-                  <a:solidFill>
-                    <a:schemeClr val="tx1"/>
-                  </a:solidFill>
-                </a:ln>
-                <a:latin typeface="Mistral" pitchFamily="66" charset="0"/>
-              </a:rPr>
-              <a:t>формах</a:t>
-            </a:r>
-            <a:endParaRPr lang="ru-RU" dirty="0">
-              <a:ln>
-                <a:solidFill>
-                  <a:schemeClr val="tx1"/>
-                </a:solidFill>
-              </a:ln>
-              <a:latin typeface="Mistral" pitchFamily="66" charset="0"/>
-            </a:endParaRPr>
-          </a:p>
-        </p:txBody>
-      </p:sp>
-      <p:sp>
-        <p:nvSpPr>
-          <p:cNvPr id="3" name="Содержимое 2"/>
-          <p:cNvSpPr>
-            <a:spLocks noGrp="1"/>
-          </p:cNvSpPr>
-          <p:nvPr>
-            <p:ph idx="1"/>
-          </p:nvPr>
-        </p:nvSpPr>
-        <p:spPr/>
-        <p:txBody>
-          <a:bodyPr>
-            <a:normAutofit fontScale="85000" lnSpcReduction="20000"/>
-          </a:bodyPr>
-          <a:lstStyle/>
-          <a:p>
-            <a:pPr marL="514350" indent="-514350" algn="ctr">
-              <a:buAutoNum type="arabicParenR"/>
-            </a:pPr>
-            <a:r>
-              <a:rPr lang="ru-RU" dirty="0" smtClean="0">
-                <a:ln>
-                  <a:solidFill>
-                    <a:sysClr val="windowText" lastClr="000000"/>
-                  </a:solidFill>
-                </a:ln>
-                <a:solidFill>
-                  <a:srgbClr val="7030A0"/>
-                </a:solidFill>
-                <a:hlinkClick r:id="rId2" action="ppaction://hlinksldjump"/>
-              </a:rPr>
-              <a:t>Пожалуйста, укажите Ваш возраст</a:t>
-            </a:r>
-            <a:endParaRPr lang="ru-RU" dirty="0" smtClean="0">
-              <a:ln>
-                <a:solidFill>
-                  <a:sysClr val="windowText" lastClr="000000"/>
-                </a:solidFill>
-              </a:ln>
-              <a:solidFill>
-                <a:srgbClr val="7030A0"/>
-              </a:solidFill>
-            </a:endParaRPr>
-          </a:p>
-          <a:p>
-            <a:pPr marL="514350" indent="-514350" algn="ctr">
-              <a:buAutoNum type="arabicParenR"/>
-            </a:pPr>
-            <a:r>
-              <a:rPr lang="ru-RU" dirty="0" smtClean="0">
-                <a:ln>
-                  <a:solidFill>
-                    <a:sysClr val="windowText" lastClr="000000"/>
-                  </a:solidFill>
-                </a:ln>
-                <a:solidFill>
-                  <a:srgbClr val="7030A0"/>
-                </a:solidFill>
-                <a:hlinkClick r:id="rId3" action="ppaction://hlinksldjump"/>
-              </a:rPr>
-              <a:t>Часто ли Вы пользуетесь электронными устройствами в повседневной жизни?</a:t>
-            </a:r>
-            <a:endParaRPr lang="ru-RU" dirty="0" smtClean="0">
-              <a:ln>
-                <a:solidFill>
-                  <a:sysClr val="windowText" lastClr="000000"/>
-                </a:solidFill>
-              </a:ln>
-              <a:solidFill>
-                <a:srgbClr val="7030A0"/>
-              </a:solidFill>
-            </a:endParaRPr>
-          </a:p>
-          <a:p>
-            <a:pPr marL="514350" indent="-514350" algn="ctr">
-              <a:buAutoNum type="arabicParenR"/>
-            </a:pPr>
-            <a:r>
-              <a:rPr lang="ru-RU" dirty="0" smtClean="0">
-                <a:ln>
-                  <a:solidFill>
-                    <a:sysClr val="windowText" lastClr="000000"/>
-                  </a:solidFill>
-                </a:ln>
-                <a:solidFill>
-                  <a:srgbClr val="7030A0"/>
-                </a:solidFill>
-                <a:hlinkClick r:id="rId4" action="ppaction://hlinksldjump"/>
-              </a:rPr>
-              <a:t>Какие электронные устройства Вы чаще всего используете? (можно более 1 ответа)</a:t>
-            </a:r>
-            <a:endParaRPr lang="ru-RU" dirty="0" smtClean="0">
-              <a:ln>
-                <a:solidFill>
-                  <a:sysClr val="windowText" lastClr="000000"/>
-                </a:solidFill>
-              </a:ln>
-              <a:solidFill>
-                <a:srgbClr val="7030A0"/>
-              </a:solidFill>
-            </a:endParaRPr>
-          </a:p>
-          <a:p>
-            <a:pPr marL="514350" indent="-514350" algn="ctr">
-              <a:buAutoNum type="arabicParenR"/>
-            </a:pPr>
-            <a:r>
-              <a:rPr lang="ru-RU" dirty="0" smtClean="0">
-                <a:ln>
-                  <a:solidFill>
-                    <a:sysClr val="windowText" lastClr="000000"/>
-                  </a:solidFill>
-                </a:ln>
-                <a:solidFill>
-                  <a:srgbClr val="7030A0"/>
-                </a:solidFill>
-                <a:hlinkClick r:id="rId5" action="ppaction://hlinksldjump"/>
-              </a:rPr>
-              <a:t>Сколько времени Вы проводите за вышеперечисленными устройствами?</a:t>
-            </a:r>
-            <a:endParaRPr lang="ru-RU" dirty="0" smtClean="0">
-              <a:ln>
-                <a:solidFill>
-                  <a:sysClr val="windowText" lastClr="000000"/>
-                </a:solidFill>
-              </a:ln>
-              <a:solidFill>
-                <a:srgbClr val="7030A0"/>
-              </a:solidFill>
-            </a:endParaRPr>
-          </a:p>
-          <a:p>
-            <a:pPr marL="514350" indent="-514350" algn="ctr">
-              <a:buAutoNum type="arabicParenR"/>
-            </a:pPr>
-            <a:r>
-              <a:rPr lang="ru-RU" dirty="0" smtClean="0">
-                <a:ln>
-                  <a:solidFill>
-                    <a:sysClr val="windowText" lastClr="000000"/>
-                  </a:solidFill>
-                </a:ln>
-                <a:solidFill>
-                  <a:srgbClr val="7030A0"/>
-                </a:solidFill>
-                <a:hlinkClick r:id="rId6" action="ppaction://hlinksldjump"/>
-              </a:rPr>
-              <a:t>Соблюдаете ли Вы какие-нибудь правила, необходимые при работе с электронными устройствами?</a:t>
-            </a:r>
-            <a:endParaRPr lang="ru-RU" dirty="0" smtClean="0">
-              <a:ln>
-                <a:solidFill>
-                  <a:sysClr val="windowText" lastClr="000000"/>
-                </a:solidFill>
-              </a:ln>
-              <a:solidFill>
-                <a:srgbClr val="7030A0"/>
-              </a:solidFill>
-            </a:endParaRPr>
-          </a:p>
-          <a:p>
-            <a:pPr marL="514350" indent="-514350" algn="ctr">
-              <a:buAutoNum type="arabicParenR"/>
-            </a:pPr>
-            <a:r>
-              <a:rPr lang="ru-RU" dirty="0" smtClean="0">
-                <a:ln>
-                  <a:solidFill>
-                    <a:sysClr val="windowText" lastClr="000000"/>
-                  </a:solidFill>
-                </a:ln>
-                <a:solidFill>
-                  <a:schemeClr val="accent1">
-                    <a:lumMod val="75000"/>
-                  </a:schemeClr>
-                </a:solidFill>
-                <a:hlinkClick r:id="rId7" action="ppaction://hlinksldjump"/>
-              </a:rPr>
-              <a:t>Смогли бы Вы отказаться от электронных устройств?</a:t>
-            </a:r>
-            <a:endParaRPr lang="ru-RU" dirty="0">
-              <a:ln>
-                <a:solidFill>
-                  <a:sysClr val="windowText" lastClr="000000"/>
-                </a:solidFill>
-              </a:ln>
-              <a:solidFill>
-                <a:schemeClr val="accent1">
-                  <a:lumMod val="75000"/>
-                </a:schemeClr>
-              </a:solidFill>
-            </a:endParaRPr>
-          </a:p>
-        </p:txBody>
-      </p:sp>
-    </p:spTree>
-  </p:cSld>
-  <p:clrMapOvr>
-    <a:masterClrMapping/>
-  </p:clrMapOvr>
-  <p:transition>
-    <p:randomBar dir="vert"/>
-  </p:transition>
-  <p:timing>
-    <p:tnLst>
-      <p:par>
-        <p:cTn id="1" dur="indefinite" restart="never" nodeType="tmRoot"/>
-      </p:par>
-    </p:tnLst>
-  </p:timing>
-</p:sld>
-</file>
-
-<file path=ppt/slides/slide3.xml><?xml version="1.0" encoding="utf-8"?>
-<p:sld xmlns:a="http://schemas.openxmlformats.org/drawingml/2006/main" xmlns:r="http://schemas.openxmlformats.org/officeDocument/2006/relationships" xmlns:p="http://schemas.openxmlformats.org/presentationml/2006/main">
-  <p:cSld>
-    <p:spTree>
-      <p:nvGrpSpPr>
-        <p:cNvPr id="1" name=""/>
-        <p:cNvGrpSpPr/>
-        <p:nvPr/>
-      </p:nvGrpSpPr>
-      <p:grpSpPr>
-        <a:xfrm>
-          <a:off x="0" y="0"/>
-          <a:ext cx="0" cy="0"/>
-          <a:chOff x="0" y="0"/>
-          <a:chExt cx="0" cy="0"/>
-        </a:xfrm>
-      </p:grpSpPr>
-      <p:sp>
-        <p:nvSpPr>
-          <p:cNvPr id="2" name="Заголовок 1"/>
-          <p:cNvSpPr>
-            <a:spLocks noGrp="1"/>
-          </p:cNvSpPr>
-          <p:nvPr>
-            <p:ph type="title"/>
-          </p:nvPr>
-        </p:nvSpPr>
-        <p:spPr/>
-        <p:txBody>
-          <a:bodyPr/>
-          <a:lstStyle/>
-          <a:p>
-            <a:pPr algn="ctr"/>
-            <a:r>
               <a:rPr lang="ru-RU" dirty="0" smtClean="0"/>
-              <a:t>Вопрос №1</a:t>
+              <a:t>Вопрос №5</a:t>
             </a:r>
             <a:endParaRPr lang="ru-RU" dirty="0"/>
           </a:p>
@@ -6070,7 +5455,7 @@
       </p:sp>
       <p:graphicFrame>
         <p:nvGraphicFramePr>
-          <p:cNvPr id="5" name="Содержимое 4"/>
+          <p:cNvPr id="4" name="Содержимое 3"/>
           <p:cNvGraphicFramePr>
             <a:graphicFrameLocks noGrp="1"/>
           </p:cNvGraphicFramePr>
@@ -6079,8 +5464,8 @@
           </p:nvPr>
         </p:nvGraphicFramePr>
         <p:xfrm>
-          <a:off x="251520" y="1412776"/>
-          <a:ext cx="8686800" cy="4680520"/>
+          <a:off x="304800" y="1554163"/>
+          <a:ext cx="8686800" cy="4525962"/>
         </p:xfrm>
         <a:graphic>
           <a:graphicData uri="http://schemas.openxmlformats.org/drawingml/2006/chart">
@@ -6090,15 +5475,15 @@
       </p:graphicFrame>
       <p:sp>
         <p:nvSpPr>
-          <p:cNvPr id="4" name="Стрелка вправо 3">
-            <a:hlinkClick r:id="rId3" action="ppaction://hlinksldjump" tooltip="Следующий вопрос"/>
+          <p:cNvPr id="5" name="Стрелка вправо 4">
+            <a:hlinkClick r:id="rId3" action="ppaction://hlinksldjump" tooltip="Предыдущий вопрос"/>
           </p:cNvPr>
           <p:cNvSpPr/>
           <p:nvPr/>
         </p:nvSpPr>
         <p:spPr>
-          <a:xfrm>
-            <a:off x="7236296" y="6085179"/>
+          <a:xfrm rot="10800000">
+            <a:off x="5436096" y="6209928"/>
             <a:ext cx="1440160" cy="648072"/>
           </a:xfrm>
           <a:prstGeom prst="rightArrow">
@@ -6140,7 +5525,7 @@
         </p:nvSpPr>
         <p:spPr>
           <a:xfrm>
-            <a:off x="6516216" y="6229195"/>
+            <a:off x="7020272" y="6353944"/>
             <a:ext cx="504056" cy="360040"/>
           </a:xfrm>
           <a:prstGeom prst="ellipse">
@@ -6174,855 +5559,6 @@
       </p:sp>
       <p:sp>
         <p:nvSpPr>
-          <p:cNvPr id="8" name="TextBox 7"/>
-          <p:cNvSpPr txBox="1"/>
-          <p:nvPr/>
-        </p:nvSpPr>
-        <p:spPr>
-          <a:xfrm>
-            <a:off x="6768244" y="332656"/>
-            <a:ext cx="1548172" cy="369332"/>
-          </a:xfrm>
-          <a:prstGeom prst="rect">
-            <a:avLst/>
-          </a:prstGeom>
-          <a:noFill/>
-        </p:spPr>
-        <p:txBody>
-          <a:bodyPr wrap="square" rtlCol="0">
-            <a:spAutoFit/>
-          </a:bodyPr>
-          <a:lstStyle/>
-          <a:p>
-            <a:endParaRPr lang="ru-RU" dirty="0"/>
-          </a:p>
-        </p:txBody>
-      </p:sp>
-      <p:sp>
-        <p:nvSpPr>
-          <p:cNvPr id="9" name="TextBox 8"/>
-          <p:cNvSpPr txBox="1"/>
-          <p:nvPr/>
-        </p:nvSpPr>
-        <p:spPr>
-          <a:xfrm>
-            <a:off x="8104348" y="147990"/>
-            <a:ext cx="648072" cy="923330"/>
-          </a:xfrm>
-          <a:prstGeom prst="rect">
-            <a:avLst/>
-          </a:prstGeom>
-          <a:noFill/>
-        </p:spPr>
-        <p:txBody>
-          <a:bodyPr wrap="square" rtlCol="0">
-            <a:spAutoFit/>
-            <a:scene3d>
-              <a:camera prst="orthographicFront"/>
-              <a:lightRig rig="brightRoom" dir="t"/>
-            </a:scene3d>
-            <a:sp3d contourW="6350" prstMaterial="plastic">
-              <a:bevelT w="20320" h="20320" prst="angle"/>
-              <a:contourClr>
-                <a:schemeClr val="accent1">
-                  <a:tint val="100000"/>
-                  <a:shade val="100000"/>
-                  <a:hueMod val="100000"/>
-                  <a:satMod val="100000"/>
-                </a:schemeClr>
-              </a:contourClr>
-            </a:sp3d>
-          </a:bodyPr>
-          <a:lstStyle/>
-          <a:p>
-            <a:r>
-              <a:rPr lang="ru-RU" sz="5400" b="1" cap="all" dirty="0" smtClean="0">
-                <a:ln/>
-                <a:solidFill>
-                  <a:schemeClr val="accent1"/>
-                </a:solidFill>
-                <a:effectLst>
-                  <a:outerShdw blurRad="19685" dist="12700" dir="5400000" algn="tl" rotWithShape="0">
-                    <a:schemeClr val="accent1">
-                      <a:satMod val="130000"/>
-                      <a:alpha val="60000"/>
-                    </a:schemeClr>
-                  </a:outerShdw>
-                  <a:reflection blurRad="10000" stA="55000" endPos="48000" dist="500" dir="5400000" sy="-100000" algn="bl" rotWithShape="0"/>
-                </a:effectLst>
-                <a:hlinkClick r:id="rId5" action="ppaction://hlinksldjump" tooltip="Пожалуйста, укажите Ваш возраст"/>
-              </a:rPr>
-              <a:t>?</a:t>
-            </a:r>
-            <a:endParaRPr lang="ru-RU" sz="5400" b="1" cap="all" dirty="0">
-              <a:ln/>
-              <a:solidFill>
-                <a:schemeClr val="accent1"/>
-              </a:solidFill>
-              <a:effectLst>
-                <a:outerShdw blurRad="19685" dist="12700" dir="5400000" algn="tl" rotWithShape="0">
-                  <a:schemeClr val="accent1">
-                    <a:satMod val="130000"/>
-                    <a:alpha val="60000"/>
-                  </a:schemeClr>
-                </a:outerShdw>
-                <a:reflection blurRad="10000" stA="55000" endPos="48000" dist="500" dir="5400000" sy="-100000" algn="bl" rotWithShape="0"/>
-              </a:effectLst>
-            </a:endParaRPr>
-          </a:p>
-        </p:txBody>
-      </p:sp>
-    </p:spTree>
-  </p:cSld>
-  <p:clrMapOvr>
-    <a:masterClrMapping/>
-  </p:clrMapOvr>
-  <p:transition>
-    <p:randomBar dir="vert"/>
-  </p:transition>
-  <p:timing>
-    <p:tnLst>
-      <p:par>
-        <p:cTn id="1" dur="indefinite" restart="never" nodeType="tmRoot"/>
-      </p:par>
-    </p:tnLst>
-  </p:timing>
-</p:sld>
-</file>
-
-<file path=ppt/slides/slide4.xml><?xml version="1.0" encoding="utf-8"?>
-<p:sld xmlns:a="http://schemas.openxmlformats.org/drawingml/2006/main" xmlns:r="http://schemas.openxmlformats.org/officeDocument/2006/relationships" xmlns:p="http://schemas.openxmlformats.org/presentationml/2006/main">
-  <p:cSld>
-    <p:spTree>
-      <p:nvGrpSpPr>
-        <p:cNvPr id="1" name=""/>
-        <p:cNvGrpSpPr/>
-        <p:nvPr/>
-      </p:nvGrpSpPr>
-      <p:grpSpPr>
-        <a:xfrm>
-          <a:off x="0" y="0"/>
-          <a:ext cx="0" cy="0"/>
-          <a:chOff x="0" y="0"/>
-          <a:chExt cx="0" cy="0"/>
-        </a:xfrm>
-      </p:grpSpPr>
-      <p:sp>
-        <p:nvSpPr>
-          <p:cNvPr id="2" name="Заголовок 1"/>
-          <p:cNvSpPr>
-            <a:spLocks noGrp="1"/>
-          </p:cNvSpPr>
-          <p:nvPr>
-            <p:ph type="title"/>
-          </p:nvPr>
-        </p:nvSpPr>
-        <p:spPr/>
-        <p:txBody>
-          <a:bodyPr/>
-          <a:lstStyle/>
-          <a:p>
-            <a:pPr algn="ctr"/>
-            <a:r>
-              <a:rPr lang="ru-RU" dirty="0" smtClean="0"/>
-              <a:t>Вопрос №2</a:t>
-            </a:r>
-            <a:endParaRPr lang="ru-RU" dirty="0"/>
-          </a:p>
-        </p:txBody>
-      </p:sp>
-      <p:graphicFrame>
-        <p:nvGraphicFramePr>
-          <p:cNvPr id="4" name="Содержимое 3"/>
-          <p:cNvGraphicFramePr>
-            <a:graphicFrameLocks noGrp="1"/>
-          </p:cNvGraphicFramePr>
-          <p:nvPr>
-            <p:ph idx="1"/>
-          </p:nvPr>
-        </p:nvGraphicFramePr>
-        <p:xfrm>
-          <a:off x="251520" y="1484784"/>
-          <a:ext cx="8686800" cy="4525962"/>
-        </p:xfrm>
-        <a:graphic>
-          <a:graphicData uri="http://schemas.openxmlformats.org/drawingml/2006/chart">
-            <c:chart xmlns:c="http://schemas.openxmlformats.org/drawingml/2006/chart" xmlns:r="http://schemas.openxmlformats.org/officeDocument/2006/relationships" r:id="rId2"/>
-          </a:graphicData>
-        </a:graphic>
-      </p:graphicFrame>
-      <p:sp>
-        <p:nvSpPr>
-          <p:cNvPr id="5" name="Стрелка вправо 4">
-            <a:hlinkClick r:id="rId3" action="ppaction://hlinksldjump" tooltip="Следующий вопрос"/>
-          </p:cNvPr>
-          <p:cNvSpPr/>
-          <p:nvPr/>
-        </p:nvSpPr>
-        <p:spPr>
-          <a:xfrm>
-            <a:off x="7236296" y="6209928"/>
-            <a:ext cx="1440160" cy="648072"/>
-          </a:xfrm>
-          <a:prstGeom prst="rightArrow">
-            <a:avLst/>
-          </a:prstGeom>
-        </p:spPr>
-        <p:style>
-          <a:lnRef idx="2">
-            <a:schemeClr val="accent1">
-              <a:shade val="50000"/>
-            </a:schemeClr>
-          </a:lnRef>
-          <a:fillRef idx="1">
-            <a:schemeClr val="accent1"/>
-          </a:fillRef>
-          <a:effectRef idx="0">
-            <a:schemeClr val="accent1"/>
-          </a:effectRef>
-          <a:fontRef idx="minor">
-            <a:schemeClr val="lt1"/>
-          </a:fontRef>
-        </p:style>
-        <p:txBody>
-          <a:bodyPr rtlCol="0" anchor="ctr"/>
-          <a:lstStyle/>
-          <a:p>
-            <a:pPr algn="ctr"/>
-            <a:endParaRPr lang="ru-RU"/>
-          </a:p>
-        </p:txBody>
-      </p:sp>
-      <p:sp>
-        <p:nvSpPr>
-          <p:cNvPr id="6" name="Овал 5">
-            <a:hlinkClick r:id="rId4" action="ppaction://hlinksldjump" tooltip="Вернуться к вопросам"/>
-          </p:cNvPr>
-          <p:cNvSpPr/>
-          <p:nvPr/>
-        </p:nvSpPr>
-        <p:spPr>
-          <a:xfrm>
-            <a:off x="6516216" y="6309320"/>
-            <a:ext cx="504056" cy="360040"/>
-          </a:xfrm>
-          <a:prstGeom prst="ellipse">
-            <a:avLst/>
-          </a:prstGeom>
-        </p:spPr>
-        <p:style>
-          <a:lnRef idx="2">
-            <a:schemeClr val="accent1">
-              <a:shade val="50000"/>
-            </a:schemeClr>
-          </a:lnRef>
-          <a:fillRef idx="1">
-            <a:schemeClr val="accent1"/>
-          </a:fillRef>
-          <a:effectRef idx="0">
-            <a:schemeClr val="accent1"/>
-          </a:effectRef>
-          <a:fontRef idx="minor">
-            <a:schemeClr val="lt1"/>
-          </a:fontRef>
-        </p:style>
-        <p:txBody>
-          <a:bodyPr rtlCol="0" anchor="ctr"/>
-          <a:lstStyle/>
-          <a:p>
-            <a:pPr algn="ctr"/>
-            <a:endParaRPr lang="ru-RU"/>
-          </a:p>
-        </p:txBody>
-      </p:sp>
-      <p:sp>
-        <p:nvSpPr>
-          <p:cNvPr id="7" name="Стрелка вправо 6">
-            <a:hlinkClick r:id="rId5" action="ppaction://hlinksldjump" tooltip="Предыдущий вопрос"/>
-          </p:cNvPr>
-          <p:cNvSpPr/>
-          <p:nvPr/>
-        </p:nvSpPr>
-        <p:spPr>
-          <a:xfrm rot="10800000">
-            <a:off x="4788024" y="6209928"/>
-            <a:ext cx="1440160" cy="648072"/>
-          </a:xfrm>
-          <a:prstGeom prst="rightArrow">
-            <a:avLst/>
-          </a:prstGeom>
-        </p:spPr>
-        <p:style>
-          <a:lnRef idx="2">
-            <a:schemeClr val="accent1">
-              <a:shade val="50000"/>
-            </a:schemeClr>
-          </a:lnRef>
-          <a:fillRef idx="1">
-            <a:schemeClr val="accent1"/>
-          </a:fillRef>
-          <a:effectRef idx="0">
-            <a:schemeClr val="accent1"/>
-          </a:effectRef>
-          <a:fontRef idx="minor">
-            <a:schemeClr val="lt1"/>
-          </a:fontRef>
-        </p:style>
-        <p:txBody>
-          <a:bodyPr rtlCol="0" anchor="ctr"/>
-          <a:lstStyle/>
-          <a:p>
-            <a:pPr algn="ctr"/>
-            <a:endParaRPr lang="ru-RU"/>
-          </a:p>
-        </p:txBody>
-      </p:sp>
-      <p:sp>
-        <p:nvSpPr>
-          <p:cNvPr id="8" name="TextBox 7"/>
-          <p:cNvSpPr txBox="1"/>
-          <p:nvPr/>
-        </p:nvSpPr>
-        <p:spPr>
-          <a:xfrm>
-            <a:off x="8104348" y="147990"/>
-            <a:ext cx="648072" cy="923330"/>
-          </a:xfrm>
-          <a:prstGeom prst="rect">
-            <a:avLst/>
-          </a:prstGeom>
-          <a:noFill/>
-        </p:spPr>
-        <p:txBody>
-          <a:bodyPr wrap="square" rtlCol="0">
-            <a:spAutoFit/>
-            <a:scene3d>
-              <a:camera prst="orthographicFront"/>
-              <a:lightRig rig="brightRoom" dir="t"/>
-            </a:scene3d>
-            <a:sp3d contourW="6350" prstMaterial="plastic">
-              <a:bevelT w="20320" h="20320" prst="angle"/>
-              <a:contourClr>
-                <a:schemeClr val="accent1">
-                  <a:tint val="100000"/>
-                  <a:shade val="100000"/>
-                  <a:hueMod val="100000"/>
-                  <a:satMod val="100000"/>
-                </a:schemeClr>
-              </a:contourClr>
-            </a:sp3d>
-          </a:bodyPr>
-          <a:lstStyle/>
-          <a:p>
-            <a:r>
-              <a:rPr lang="ru-RU" sz="5400" b="1" cap="all" dirty="0" smtClean="0">
-                <a:ln/>
-                <a:solidFill>
-                  <a:schemeClr val="accent1"/>
-                </a:solidFill>
-                <a:effectLst>
-                  <a:outerShdw blurRad="19685" dist="12700" dir="5400000" algn="tl" rotWithShape="0">
-                    <a:schemeClr val="accent1">
-                      <a:satMod val="130000"/>
-                      <a:alpha val="60000"/>
-                    </a:schemeClr>
-                  </a:outerShdw>
-                  <a:reflection blurRad="10000" stA="55000" endPos="48000" dist="500" dir="5400000" sy="-100000" algn="bl" rotWithShape="0"/>
-                </a:effectLst>
-                <a:hlinkClick r:id="rId6" action="ppaction://hlinksldjump" tooltip="Часто ли Вы пользуетесь электронными устройствами в повседневной жизни?"/>
-              </a:rPr>
-              <a:t>?</a:t>
-            </a:r>
-            <a:endParaRPr lang="ru-RU" sz="5400" b="1" cap="all" dirty="0">
-              <a:ln/>
-              <a:solidFill>
-                <a:schemeClr val="accent1"/>
-              </a:solidFill>
-              <a:effectLst>
-                <a:outerShdw blurRad="19685" dist="12700" dir="5400000" algn="tl" rotWithShape="0">
-                  <a:schemeClr val="accent1">
-                    <a:satMod val="130000"/>
-                    <a:alpha val="60000"/>
-                  </a:schemeClr>
-                </a:outerShdw>
-                <a:reflection blurRad="10000" stA="55000" endPos="48000" dist="500" dir="5400000" sy="-100000" algn="bl" rotWithShape="0"/>
-              </a:effectLst>
-            </a:endParaRPr>
-          </a:p>
-        </p:txBody>
-      </p:sp>
-    </p:spTree>
-  </p:cSld>
-  <p:clrMapOvr>
-    <a:masterClrMapping/>
-  </p:clrMapOvr>
-  <p:transition>
-    <p:randomBar dir="vert"/>
-  </p:transition>
-  <p:timing>
-    <p:tnLst>
-      <p:par>
-        <p:cTn id="1" dur="indefinite" restart="never" nodeType="tmRoot"/>
-      </p:par>
-    </p:tnLst>
-  </p:timing>
-</p:sld>
-</file>
-
-<file path=ppt/slides/slide5.xml><?xml version="1.0" encoding="utf-8"?>
-<p:sld xmlns:a="http://schemas.openxmlformats.org/drawingml/2006/main" xmlns:r="http://schemas.openxmlformats.org/officeDocument/2006/relationships" xmlns:p="http://schemas.openxmlformats.org/presentationml/2006/main">
-  <p:cSld>
-    <p:spTree>
-      <p:nvGrpSpPr>
-        <p:cNvPr id="1" name=""/>
-        <p:cNvGrpSpPr/>
-        <p:nvPr/>
-      </p:nvGrpSpPr>
-      <p:grpSpPr>
-        <a:xfrm>
-          <a:off x="0" y="0"/>
-          <a:ext cx="0" cy="0"/>
-          <a:chOff x="0" y="0"/>
-          <a:chExt cx="0" cy="0"/>
-        </a:xfrm>
-      </p:grpSpPr>
-      <p:graphicFrame>
-        <p:nvGraphicFramePr>
-          <p:cNvPr id="4" name="Содержимое 3"/>
-          <p:cNvGraphicFramePr>
-            <a:graphicFrameLocks noGrp="1"/>
-          </p:cNvGraphicFramePr>
-          <p:nvPr>
-            <p:ph idx="1"/>
-          </p:nvPr>
-        </p:nvGraphicFramePr>
-        <p:xfrm>
-          <a:off x="179512" y="188640"/>
-          <a:ext cx="4104456" cy="6264696"/>
-        </p:xfrm>
-        <a:graphic>
-          <a:graphicData uri="http://schemas.openxmlformats.org/drawingml/2006/chart">
-            <c:chart xmlns:c="http://schemas.openxmlformats.org/drawingml/2006/chart" xmlns:r="http://schemas.openxmlformats.org/officeDocument/2006/relationships" r:id="rId2"/>
-          </a:graphicData>
-        </a:graphic>
-      </p:graphicFrame>
-      <p:graphicFrame>
-        <p:nvGraphicFramePr>
-          <p:cNvPr id="6" name="Содержимое 3"/>
-          <p:cNvGraphicFramePr>
-            <a:graphicFrameLocks/>
-          </p:cNvGraphicFramePr>
-          <p:nvPr/>
-        </p:nvGraphicFramePr>
-        <p:xfrm>
-          <a:off x="4644008" y="260648"/>
-          <a:ext cx="4104456" cy="6264696"/>
-        </p:xfrm>
-        <a:graphic>
-          <a:graphicData uri="http://schemas.openxmlformats.org/drawingml/2006/chart">
-            <c:chart xmlns:c="http://schemas.openxmlformats.org/drawingml/2006/chart" xmlns:r="http://schemas.openxmlformats.org/officeDocument/2006/relationships" r:id="rId3"/>
-          </a:graphicData>
-        </a:graphic>
-      </p:graphicFrame>
-      <p:sp>
-        <p:nvSpPr>
-          <p:cNvPr id="7" name="Заголовок 1"/>
-          <p:cNvSpPr>
-            <a:spLocks noGrp="1"/>
-          </p:cNvSpPr>
-          <p:nvPr>
-            <p:ph type="title"/>
-          </p:nvPr>
-        </p:nvSpPr>
-        <p:spPr>
-          <a:xfrm>
-            <a:off x="0" y="260648"/>
-            <a:ext cx="8686800" cy="838200"/>
-          </a:xfrm>
-        </p:spPr>
-        <p:txBody>
-          <a:bodyPr/>
-          <a:lstStyle/>
-          <a:p>
-            <a:pPr algn="ctr"/>
-            <a:r>
-              <a:rPr lang="ru-RU" dirty="0" smtClean="0"/>
-              <a:t>Вопрос №3</a:t>
-            </a:r>
-            <a:endParaRPr lang="ru-RU" dirty="0"/>
-          </a:p>
-        </p:txBody>
-      </p:sp>
-      <p:sp>
-        <p:nvSpPr>
-          <p:cNvPr id="8" name="Стрелка вправо 7">
-            <a:hlinkClick r:id="rId4" action="ppaction://hlinksldjump" tooltip="Предыдущий вопрос"/>
-          </p:cNvPr>
-          <p:cNvSpPr/>
-          <p:nvPr/>
-        </p:nvSpPr>
-        <p:spPr>
-          <a:xfrm rot="10800000">
-            <a:off x="5436096" y="0"/>
-            <a:ext cx="1440160" cy="648072"/>
-          </a:xfrm>
-          <a:prstGeom prst="rightArrow">
-            <a:avLst/>
-          </a:prstGeom>
-        </p:spPr>
-        <p:style>
-          <a:lnRef idx="2">
-            <a:schemeClr val="accent1">
-              <a:shade val="50000"/>
-            </a:schemeClr>
-          </a:lnRef>
-          <a:fillRef idx="1">
-            <a:schemeClr val="accent1"/>
-          </a:fillRef>
-          <a:effectRef idx="0">
-            <a:schemeClr val="accent1"/>
-          </a:effectRef>
-          <a:fontRef idx="minor">
-            <a:schemeClr val="lt1"/>
-          </a:fontRef>
-        </p:style>
-        <p:txBody>
-          <a:bodyPr rtlCol="0" anchor="ctr"/>
-          <a:lstStyle/>
-          <a:p>
-            <a:pPr algn="ctr"/>
-            <a:endParaRPr lang="ru-RU"/>
-          </a:p>
-        </p:txBody>
-      </p:sp>
-      <p:sp>
-        <p:nvSpPr>
-          <p:cNvPr id="9" name="Стрелка вправо 8">
-            <a:hlinkClick r:id="rId5" action="ppaction://hlinksldjump" tooltip="Следующий вопрос"/>
-          </p:cNvPr>
-          <p:cNvSpPr/>
-          <p:nvPr/>
-        </p:nvSpPr>
-        <p:spPr>
-          <a:xfrm>
-            <a:off x="7703840" y="0"/>
-            <a:ext cx="1440160" cy="648072"/>
-          </a:xfrm>
-          <a:prstGeom prst="rightArrow">
-            <a:avLst/>
-          </a:prstGeom>
-        </p:spPr>
-        <p:style>
-          <a:lnRef idx="2">
-            <a:schemeClr val="accent1">
-              <a:shade val="50000"/>
-            </a:schemeClr>
-          </a:lnRef>
-          <a:fillRef idx="1">
-            <a:schemeClr val="accent1"/>
-          </a:fillRef>
-          <a:effectRef idx="0">
-            <a:schemeClr val="accent1"/>
-          </a:effectRef>
-          <a:fontRef idx="minor">
-            <a:schemeClr val="lt1"/>
-          </a:fontRef>
-        </p:style>
-        <p:txBody>
-          <a:bodyPr rtlCol="0" anchor="ctr"/>
-          <a:lstStyle/>
-          <a:p>
-            <a:pPr algn="ctr"/>
-            <a:endParaRPr lang="ru-RU"/>
-          </a:p>
-        </p:txBody>
-      </p:sp>
-      <p:sp>
-        <p:nvSpPr>
-          <p:cNvPr id="10" name="Овал 9">
-            <a:hlinkClick r:id="rId6" action="ppaction://hlinksldjump" tooltip="Вернуться к вопросам"/>
-          </p:cNvPr>
-          <p:cNvSpPr/>
-          <p:nvPr/>
-        </p:nvSpPr>
-        <p:spPr>
-          <a:xfrm>
-            <a:off x="7020272" y="144016"/>
-            <a:ext cx="504056" cy="360040"/>
-          </a:xfrm>
-          <a:prstGeom prst="ellipse">
-            <a:avLst/>
-          </a:prstGeom>
-        </p:spPr>
-        <p:style>
-          <a:lnRef idx="2">
-            <a:schemeClr val="accent1">
-              <a:shade val="50000"/>
-            </a:schemeClr>
-          </a:lnRef>
-          <a:fillRef idx="1">
-            <a:schemeClr val="accent1"/>
-          </a:fillRef>
-          <a:effectRef idx="0">
-            <a:schemeClr val="accent1"/>
-          </a:effectRef>
-          <a:fontRef idx="minor">
-            <a:schemeClr val="lt1"/>
-          </a:fontRef>
-        </p:style>
-        <p:txBody>
-          <a:bodyPr rtlCol="0" anchor="ctr"/>
-          <a:lstStyle/>
-          <a:p>
-            <a:pPr algn="ctr"/>
-            <a:endParaRPr lang="ru-RU"/>
-          </a:p>
-        </p:txBody>
-      </p:sp>
-      <p:sp>
-        <p:nvSpPr>
-          <p:cNvPr id="11" name="TextBox 10"/>
-          <p:cNvSpPr txBox="1"/>
-          <p:nvPr/>
-        </p:nvSpPr>
-        <p:spPr>
-          <a:xfrm>
-            <a:off x="8316416" y="3068960"/>
-            <a:ext cx="648072" cy="923330"/>
-          </a:xfrm>
-          <a:prstGeom prst="rect">
-            <a:avLst/>
-          </a:prstGeom>
-          <a:noFill/>
-        </p:spPr>
-        <p:txBody>
-          <a:bodyPr wrap="square" rtlCol="0">
-            <a:spAutoFit/>
-            <a:scene3d>
-              <a:camera prst="orthographicFront"/>
-              <a:lightRig rig="brightRoom" dir="t"/>
-            </a:scene3d>
-            <a:sp3d contourW="6350" prstMaterial="plastic">
-              <a:bevelT w="20320" h="20320" prst="angle"/>
-              <a:contourClr>
-                <a:schemeClr val="accent1">
-                  <a:tint val="100000"/>
-                  <a:shade val="100000"/>
-                  <a:hueMod val="100000"/>
-                  <a:satMod val="100000"/>
-                </a:schemeClr>
-              </a:contourClr>
-            </a:sp3d>
-          </a:bodyPr>
-          <a:lstStyle/>
-          <a:p>
-            <a:r>
-              <a:rPr lang="ru-RU" sz="5400" b="1" cap="all" dirty="0" smtClean="0">
-                <a:ln/>
-                <a:solidFill>
-                  <a:schemeClr val="accent1"/>
-                </a:solidFill>
-                <a:effectLst>
-                  <a:outerShdw blurRad="19685" dist="12700" dir="5400000" algn="tl" rotWithShape="0">
-                    <a:schemeClr val="accent1">
-                      <a:satMod val="130000"/>
-                      <a:alpha val="60000"/>
-                    </a:schemeClr>
-                  </a:outerShdw>
-                  <a:reflection blurRad="10000" stA="55000" endPos="48000" dist="500" dir="5400000" sy="-100000" algn="bl" rotWithShape="0"/>
-                </a:effectLst>
-                <a:hlinkClick r:id="rId7" action="ppaction://hlinksldjump" tooltip="Какие электронные устройства Вы чаще всего используете? (можно более 1 ответа)"/>
-              </a:rPr>
-              <a:t>?</a:t>
-            </a:r>
-            <a:endParaRPr lang="ru-RU" sz="5400" b="1" cap="all" dirty="0">
-              <a:ln/>
-              <a:solidFill>
-                <a:schemeClr val="accent1"/>
-              </a:solidFill>
-              <a:effectLst>
-                <a:outerShdw blurRad="19685" dist="12700" dir="5400000" algn="tl" rotWithShape="0">
-                  <a:schemeClr val="accent1">
-                    <a:satMod val="130000"/>
-                    <a:alpha val="60000"/>
-                  </a:schemeClr>
-                </a:outerShdw>
-                <a:reflection blurRad="10000" stA="55000" endPos="48000" dist="500" dir="5400000" sy="-100000" algn="bl" rotWithShape="0"/>
-              </a:effectLst>
-            </a:endParaRPr>
-          </a:p>
-        </p:txBody>
-      </p:sp>
-    </p:spTree>
-  </p:cSld>
-  <p:clrMapOvr>
-    <a:masterClrMapping/>
-  </p:clrMapOvr>
-  <p:transition>
-    <p:randomBar dir="vert"/>
-  </p:transition>
-  <p:timing>
-    <p:tnLst>
-      <p:par>
-        <p:cTn id="1" dur="indefinite" restart="never" nodeType="tmRoot"/>
-      </p:par>
-    </p:tnLst>
-  </p:timing>
-</p:sld>
-</file>
-
-<file path=ppt/slides/slide6.xml><?xml version="1.0" encoding="utf-8"?>
-<p:sld xmlns:a="http://schemas.openxmlformats.org/drawingml/2006/main" xmlns:r="http://schemas.openxmlformats.org/officeDocument/2006/relationships" xmlns:p="http://schemas.openxmlformats.org/presentationml/2006/main">
-  <p:cSld>
-    <p:spTree>
-      <p:nvGrpSpPr>
-        <p:cNvPr id="1" name=""/>
-        <p:cNvGrpSpPr/>
-        <p:nvPr/>
-      </p:nvGrpSpPr>
-      <p:grpSpPr>
-        <a:xfrm>
-          <a:off x="0" y="0"/>
-          <a:ext cx="0" cy="0"/>
-          <a:chOff x="0" y="0"/>
-          <a:chExt cx="0" cy="0"/>
-        </a:xfrm>
-      </p:grpSpPr>
-      <p:graphicFrame>
-        <p:nvGraphicFramePr>
-          <p:cNvPr id="4" name="Содержимое 3"/>
-          <p:cNvGraphicFramePr>
-            <a:graphicFrameLocks noGrp="1"/>
-          </p:cNvGraphicFramePr>
-          <p:nvPr>
-            <p:ph idx="1"/>
-          </p:nvPr>
-        </p:nvGraphicFramePr>
-        <p:xfrm>
-          <a:off x="-324544" y="620688"/>
-          <a:ext cx="9649072" cy="6237312"/>
-        </p:xfrm>
-        <a:graphic>
-          <a:graphicData uri="http://schemas.openxmlformats.org/drawingml/2006/chart">
-            <c:chart xmlns:c="http://schemas.openxmlformats.org/drawingml/2006/chart" xmlns:r="http://schemas.openxmlformats.org/officeDocument/2006/relationships" r:id="rId2"/>
-          </a:graphicData>
-        </a:graphic>
-      </p:graphicFrame>
-      <p:sp>
-        <p:nvSpPr>
-          <p:cNvPr id="3" name="Заголовок 1"/>
-          <p:cNvSpPr>
-            <a:spLocks noGrp="1"/>
-          </p:cNvSpPr>
-          <p:nvPr>
-            <p:ph type="title"/>
-          </p:nvPr>
-        </p:nvSpPr>
-        <p:spPr>
-          <a:xfrm>
-            <a:off x="0" y="260648"/>
-            <a:ext cx="8686800" cy="838200"/>
-          </a:xfrm>
-        </p:spPr>
-        <p:txBody>
-          <a:bodyPr/>
-          <a:lstStyle/>
-          <a:p>
-            <a:pPr algn="ctr"/>
-            <a:r>
-              <a:rPr lang="ru-RU" dirty="0" smtClean="0"/>
-              <a:t>Вопрос №4</a:t>
-            </a:r>
-            <a:endParaRPr lang="ru-RU" dirty="0"/>
-          </a:p>
-        </p:txBody>
-      </p:sp>
-      <p:sp>
-        <p:nvSpPr>
-          <p:cNvPr id="5" name="Стрелка вправо 4">
-            <a:hlinkClick r:id="rId3" action="ppaction://hlinksldjump" tooltip="Предыдущий вопрос"/>
-          </p:cNvPr>
-          <p:cNvSpPr/>
-          <p:nvPr/>
-        </p:nvSpPr>
-        <p:spPr>
-          <a:xfrm rot="10800000">
-            <a:off x="5508104" y="0"/>
-            <a:ext cx="1440160" cy="648072"/>
-          </a:xfrm>
-          <a:prstGeom prst="rightArrow">
-            <a:avLst/>
-          </a:prstGeom>
-        </p:spPr>
-        <p:style>
-          <a:lnRef idx="2">
-            <a:schemeClr val="accent1">
-              <a:shade val="50000"/>
-            </a:schemeClr>
-          </a:lnRef>
-          <a:fillRef idx="1">
-            <a:schemeClr val="accent1"/>
-          </a:fillRef>
-          <a:effectRef idx="0">
-            <a:schemeClr val="accent1"/>
-          </a:effectRef>
-          <a:fontRef idx="minor">
-            <a:schemeClr val="lt1"/>
-          </a:fontRef>
-        </p:style>
-        <p:txBody>
-          <a:bodyPr rtlCol="0" anchor="ctr"/>
-          <a:lstStyle/>
-          <a:p>
-            <a:pPr algn="ctr"/>
-            <a:endParaRPr lang="ru-RU"/>
-          </a:p>
-        </p:txBody>
-      </p:sp>
-      <p:sp>
-        <p:nvSpPr>
-          <p:cNvPr id="6" name="Овал 5">
-            <a:hlinkClick r:id="rId4" action="ppaction://hlinksldjump" tooltip="Вернуться к вопросам"/>
-          </p:cNvPr>
-          <p:cNvSpPr/>
-          <p:nvPr/>
-        </p:nvSpPr>
-        <p:spPr>
-          <a:xfrm>
-            <a:off x="7038261" y="144016"/>
-            <a:ext cx="504056" cy="360040"/>
-          </a:xfrm>
-          <a:prstGeom prst="ellipse">
-            <a:avLst/>
-          </a:prstGeom>
-        </p:spPr>
-        <p:style>
-          <a:lnRef idx="2">
-            <a:schemeClr val="accent1">
-              <a:shade val="50000"/>
-            </a:schemeClr>
-          </a:lnRef>
-          <a:fillRef idx="1">
-            <a:schemeClr val="accent1"/>
-          </a:fillRef>
-          <a:effectRef idx="0">
-            <a:schemeClr val="accent1"/>
-          </a:effectRef>
-          <a:fontRef idx="minor">
-            <a:schemeClr val="lt1"/>
-          </a:fontRef>
-        </p:style>
-        <p:txBody>
-          <a:bodyPr rtlCol="0" anchor="ctr"/>
-          <a:lstStyle/>
-          <a:p>
-            <a:pPr algn="ctr"/>
-            <a:endParaRPr lang="ru-RU"/>
-          </a:p>
-        </p:txBody>
-      </p:sp>
-      <p:sp>
-        <p:nvSpPr>
           <p:cNvPr id="7" name="Стрелка вправо 6">
             <a:hlinkClick r:id="rId5" action="ppaction://hlinksldjump" tooltip="Следующий вопрос"/>
           </p:cNvPr>
@@ -7031,7 +5567,7 @@
         </p:nvSpPr>
         <p:spPr>
           <a:xfrm>
-            <a:off x="7703840" y="0"/>
+            <a:off x="7703840" y="6209928"/>
             <a:ext cx="1440160" cy="648072"/>
           </a:xfrm>
           <a:prstGeom prst="rightArrow">
@@ -7174,7 +5710,7 @@
         </p:nvSpPr>
         <p:spPr>
           <a:xfrm>
-            <a:off x="325310" y="87015"/>
+            <a:off x="8104348" y="147990"/>
             <a:ext cx="648072" cy="923330"/>
           </a:xfrm>
           <a:prstGeom prst="rect">
@@ -7218,7 +5754,7 @@
                   </a:outerShdw>
                   <a:reflection blurRad="10000" stA="55000" endPos="48000" dist="500" dir="5400000" sy="-100000" algn="bl" rotWithShape="0"/>
                 </a:effectLst>
-                <a:hlinkClick r:id="rId6" action="ppaction://hlinksldjump" tooltip="Сколько времени Вы проводите за вышеперечисленными устройствами?"/>
+                <a:hlinkClick r:id="rId6" action="ppaction://hlinksldjump" tooltip="Соблюдаете ли Вы какие-нибудь правила при работе с электронными устройствами?"/>
               </a:rPr>
               <a:t>?</a:t>
             </a:r>
@@ -7258,7 +5794,7 @@
 </p:sld>
 </file>
 
-<file path=ppt/slides/slide7.xml><?xml version="1.0" encoding="utf-8"?>
+<file path=ppt/slides/slide11.xml><?xml version="1.0" encoding="utf-8"?>
 <p:sld xmlns:a="http://schemas.openxmlformats.org/drawingml/2006/main" xmlns:r="http://schemas.openxmlformats.org/officeDocument/2006/relationships" xmlns:p="http://schemas.openxmlformats.org/presentationml/2006/main">
   <p:cSld>
     <p:spTree>
@@ -7293,7 +5829,7 @@
             <a:pPr algn="ctr"/>
             <a:r>
               <a:rPr lang="ru-RU" dirty="0" smtClean="0"/>
-              <a:t>Вопрос №5</a:t>
+              <a:t>Вопрос №6</a:t>
             </a:r>
             <a:endParaRPr lang="ru-RU" dirty="0"/>
           </a:p>
@@ -7322,91 +5858,7 @@
       <p:sp>
         <p:nvSpPr>
           <p:cNvPr id="5" name="Стрелка вправо 4">
-            <a:hlinkClick r:id="rId3" action="ppaction://hlinksldjump" tooltip="Предыдущий вопрос"/>
-          </p:cNvPr>
-          <p:cNvSpPr/>
-          <p:nvPr/>
-        </p:nvSpPr>
-        <p:spPr>
-          <a:xfrm rot="10800000">
-            <a:off x="5436096" y="6209928"/>
-            <a:ext cx="1440160" cy="648072"/>
-          </a:xfrm>
-          <a:prstGeom prst="rightArrow">
-            <a:avLst/>
-          </a:prstGeom>
-        </p:spPr>
-        <p:style>
-          <a:lnRef idx="2">
-            <a:schemeClr val="accent1">
-              <a:shade val="50000"/>
-            </a:schemeClr>
-          </a:lnRef>
-          <a:fillRef idx="1">
-            <a:schemeClr val="accent1"/>
-          </a:fillRef>
-          <a:effectRef idx="0">
-            <a:schemeClr val="accent1"/>
-          </a:effectRef>
-          <a:fontRef idx="minor">
-            <a:schemeClr val="lt1"/>
-          </a:fontRef>
-        </p:style>
-        <p:txBody>
-          <a:bodyPr rtlCol="0" anchor="ctr"/>
-          <a:lstStyle/>
-          <a:p>
-            <a:pPr algn="ctr"/>
-            <a:endParaRPr lang="ru-RU"/>
-          </a:p>
-        </p:txBody>
-      </p:sp>
-      <p:sp>
-        <p:nvSpPr>
-          <p:cNvPr id="6" name="Овал 5">
-            <a:hlinkClick r:id="rId4" action="ppaction://hlinksldjump" tooltip="Вернуться к вопросам"/>
-          </p:cNvPr>
-          <p:cNvSpPr/>
-          <p:nvPr/>
-        </p:nvSpPr>
-        <p:spPr>
-          <a:xfrm>
-            <a:off x="7020272" y="6353944"/>
-            <a:ext cx="504056" cy="360040"/>
-          </a:xfrm>
-          <a:prstGeom prst="ellipse">
-            <a:avLst/>
-          </a:prstGeom>
-        </p:spPr>
-        <p:style>
-          <a:lnRef idx="2">
-            <a:schemeClr val="accent1">
-              <a:shade val="50000"/>
-            </a:schemeClr>
-          </a:lnRef>
-          <a:fillRef idx="1">
-            <a:schemeClr val="accent1"/>
-          </a:fillRef>
-          <a:effectRef idx="0">
-            <a:schemeClr val="accent1"/>
-          </a:effectRef>
-          <a:fontRef idx="minor">
-            <a:schemeClr val="lt1"/>
-          </a:fontRef>
-        </p:style>
-        <p:txBody>
-          <a:bodyPr rtlCol="0" anchor="ctr"/>
-          <a:lstStyle/>
-          <a:p>
-            <a:pPr algn="ctr"/>
-            <a:endParaRPr lang="ru-RU"/>
-          </a:p>
-        </p:txBody>
-      </p:sp>
-      <p:sp>
-        <p:nvSpPr>
-          <p:cNvPr id="7" name="Стрелка вправо 6">
-            <a:hlinkClick r:id="rId5" action="ppaction://hlinksldjump" tooltip="Следующий вопрос"/>
+            <a:hlinkClick r:id="rId3" action="ppaction://hlinksldjump" tooltip="Перейти к выводу"/>
           </p:cNvPr>
           <p:cNvSpPr/>
           <p:nvPr/>
@@ -7550,6 +6002,90 @@
       </p:sp>
       <p:sp>
         <p:nvSpPr>
+          <p:cNvPr id="6" name="Овал 5">
+            <a:hlinkClick r:id="rId4" action="ppaction://hlinksldjump" tooltip="Вернуться к вопросам"/>
+          </p:cNvPr>
+          <p:cNvSpPr/>
+          <p:nvPr/>
+        </p:nvSpPr>
+        <p:spPr>
+          <a:xfrm>
+            <a:off x="7020272" y="6356296"/>
+            <a:ext cx="504056" cy="360040"/>
+          </a:xfrm>
+          <a:prstGeom prst="ellipse">
+            <a:avLst/>
+          </a:prstGeom>
+        </p:spPr>
+        <p:style>
+          <a:lnRef idx="2">
+            <a:schemeClr val="accent1">
+              <a:shade val="50000"/>
+            </a:schemeClr>
+          </a:lnRef>
+          <a:fillRef idx="1">
+            <a:schemeClr val="accent1"/>
+          </a:fillRef>
+          <a:effectRef idx="0">
+            <a:schemeClr val="accent1"/>
+          </a:effectRef>
+          <a:fontRef idx="minor">
+            <a:schemeClr val="lt1"/>
+          </a:fontRef>
+        </p:style>
+        <p:txBody>
+          <a:bodyPr rtlCol="0" anchor="ctr"/>
+          <a:lstStyle/>
+          <a:p>
+            <a:pPr algn="ctr"/>
+            <a:endParaRPr lang="ru-RU"/>
+          </a:p>
+        </p:txBody>
+      </p:sp>
+      <p:sp>
+        <p:nvSpPr>
+          <p:cNvPr id="7" name="Стрелка вправо 6">
+            <a:hlinkClick r:id="rId5" action="ppaction://hlinksldjump" tooltip="Предыдущий вопрос"/>
+          </p:cNvPr>
+          <p:cNvSpPr/>
+          <p:nvPr/>
+        </p:nvSpPr>
+        <p:spPr>
+          <a:xfrm rot="10800000">
+            <a:off x="5436096" y="6209928"/>
+            <a:ext cx="1440160" cy="648072"/>
+          </a:xfrm>
+          <a:prstGeom prst="rightArrow">
+            <a:avLst/>
+          </a:prstGeom>
+        </p:spPr>
+        <p:style>
+          <a:lnRef idx="2">
+            <a:schemeClr val="accent1">
+              <a:shade val="50000"/>
+            </a:schemeClr>
+          </a:lnRef>
+          <a:fillRef idx="1">
+            <a:schemeClr val="accent1"/>
+          </a:fillRef>
+          <a:effectRef idx="0">
+            <a:schemeClr val="accent1"/>
+          </a:effectRef>
+          <a:fontRef idx="minor">
+            <a:schemeClr val="lt1"/>
+          </a:fontRef>
+        </p:style>
+        <p:txBody>
+          <a:bodyPr rtlCol="0" anchor="ctr"/>
+          <a:lstStyle/>
+          <a:p>
+            <a:pPr algn="ctr"/>
+            <a:endParaRPr lang="ru-RU"/>
+          </a:p>
+        </p:txBody>
+      </p:sp>
+      <p:sp>
+        <p:nvSpPr>
           <p:cNvPr id="8" name="TextBox 7"/>
           <p:cNvSpPr txBox="1"/>
           <p:nvPr/>
@@ -7600,7 +6136,1420 @@
                   </a:outerShdw>
                   <a:reflection blurRad="10000" stA="55000" endPos="48000" dist="500" dir="5400000" sy="-100000" algn="bl" rotWithShape="0"/>
                 </a:effectLst>
-                <a:hlinkClick r:id="rId6" action="ppaction://hlinksldjump" tooltip="Соблюдаете ли Вы какие-нибудь правила при работе с электронными устройствами?"/>
+                <a:hlinkClick r:id="rId6" action="ppaction://hlinksldjump" tooltip="Смогли бы Вы отказаться от электронных устройств?"/>
+              </a:rPr>
+              <a:t>?</a:t>
+            </a:r>
+            <a:endParaRPr lang="ru-RU" sz="5400" b="1" cap="all" dirty="0">
+              <a:ln/>
+              <a:solidFill>
+                <a:schemeClr val="accent1"/>
+              </a:solidFill>
+              <a:effectLst>
+                <a:outerShdw blurRad="19685" dist="12700" dir="5400000" algn="tl" rotWithShape="0">
+                  <a:schemeClr val="accent1">
+                    <a:satMod val="130000"/>
+                    <a:alpha val="60000"/>
+                  </a:schemeClr>
+                </a:outerShdw>
+                <a:reflection blurRad="10000" stA="55000" endPos="48000" dist="500" dir="5400000" sy="-100000" algn="bl" rotWithShape="0"/>
+              </a:effectLst>
+            </a:endParaRPr>
+          </a:p>
+        </p:txBody>
+      </p:sp>
+    </p:spTree>
+  </p:cSld>
+  <p:clrMapOvr>
+    <a:masterClrMapping/>
+  </p:clrMapOvr>
+  <p:transition>
+    <p:randomBar dir="vert"/>
+  </p:transition>
+  <p:timing>
+    <p:tnLst>
+      <p:par>
+        <p:cTn id="1" dur="indefinite" restart="never" nodeType="tmRoot"/>
+      </p:par>
+    </p:tnLst>
+  </p:timing>
+</p:sld>
+</file>
+
+<file path=ppt/slides/slide12.xml><?xml version="1.0" encoding="utf-8"?>
+<p:sld xmlns:a="http://schemas.openxmlformats.org/drawingml/2006/main" xmlns:r="http://schemas.openxmlformats.org/officeDocument/2006/relationships" xmlns:p="http://schemas.openxmlformats.org/presentationml/2006/main">
+  <p:cSld>
+    <p:spTree>
+      <p:nvGrpSpPr>
+        <p:cNvPr id="1" name=""/>
+        <p:cNvGrpSpPr/>
+        <p:nvPr/>
+      </p:nvGrpSpPr>
+      <p:grpSpPr>
+        <a:xfrm>
+          <a:off x="0" y="0"/>
+          <a:ext cx="0" cy="0"/>
+          <a:chOff x="0" y="0"/>
+          <a:chExt cx="0" cy="0"/>
+        </a:xfrm>
+      </p:grpSpPr>
+      <p:sp>
+        <p:nvSpPr>
+          <p:cNvPr id="2" name="Заголовок 1"/>
+          <p:cNvSpPr>
+            <a:spLocks noGrp="1"/>
+          </p:cNvSpPr>
+          <p:nvPr>
+            <p:ph type="title"/>
+          </p:nvPr>
+        </p:nvSpPr>
+        <p:spPr/>
+        <p:txBody>
+          <a:bodyPr/>
+          <a:lstStyle/>
+          <a:p>
+            <a:pPr algn="ctr"/>
+            <a:r>
+              <a:rPr lang="ru-RU" dirty="0" smtClean="0"/>
+              <a:t>вывод</a:t>
+            </a:r>
+            <a:endParaRPr lang="ru-RU" dirty="0"/>
+          </a:p>
+        </p:txBody>
+      </p:sp>
+      <p:sp>
+        <p:nvSpPr>
+          <p:cNvPr id="3" name="Содержимое 2"/>
+          <p:cNvSpPr>
+            <a:spLocks noGrp="1"/>
+          </p:cNvSpPr>
+          <p:nvPr>
+            <p:ph idx="1"/>
+          </p:nvPr>
+        </p:nvSpPr>
+        <p:spPr/>
+        <p:txBody>
+          <a:bodyPr/>
+          <a:lstStyle/>
+          <a:p>
+            <a:pPr marL="0" indent="0" algn="ctr">
+              <a:buNone/>
+            </a:pPr>
+            <a:r>
+              <a:rPr lang="ru-RU" dirty="0" smtClean="0"/>
+              <a:t>Люди очень зависимы от электронных устройств, они часто используют их в повседневной жизни, но лишь малая часть делает это правильно. Среди всех опрошенных, лишь примерно половина сможет отказаться от них, что ещё раз говорит о зависимости людей.</a:t>
+            </a:r>
+          </a:p>
+          <a:p>
+            <a:pPr marL="0" indent="0" algn="ctr">
+              <a:buNone/>
+            </a:pPr>
+            <a:r>
+              <a:rPr lang="ru-RU" sz="4400" b="1" dirty="0" smtClean="0">
+                <a:ln w="1905"/>
+                <a:gradFill>
+                  <a:gsLst>
+                    <a:gs pos="0">
+                      <a:schemeClr val="accent6">
+                        <a:shade val="20000"/>
+                        <a:satMod val="200000"/>
+                      </a:schemeClr>
+                    </a:gs>
+                    <a:gs pos="78000">
+                      <a:schemeClr val="accent6">
+                        <a:tint val="90000"/>
+                        <a:shade val="89000"/>
+                        <a:satMod val="220000"/>
+                      </a:schemeClr>
+                    </a:gs>
+                    <a:gs pos="100000">
+                      <a:schemeClr val="accent6">
+                        <a:tint val="12000"/>
+                        <a:satMod val="255000"/>
+                      </a:schemeClr>
+                    </a:gs>
+                  </a:gsLst>
+                  <a:lin ang="5400000"/>
+                </a:gradFill>
+                <a:effectLst>
+                  <a:innerShdw blurRad="69850" dist="43180" dir="5400000">
+                    <a:srgbClr val="000000">
+                      <a:alpha val="65000"/>
+                    </a:srgbClr>
+                  </a:innerShdw>
+                </a:effectLst>
+              </a:rPr>
+              <a:t>Наша гипотеза подтвердилась</a:t>
+            </a:r>
+            <a:endParaRPr lang="ru-RU" sz="4400" b="1" dirty="0">
+              <a:ln w="1905"/>
+              <a:gradFill>
+                <a:gsLst>
+                  <a:gs pos="0">
+                    <a:schemeClr val="accent6">
+                      <a:shade val="20000"/>
+                      <a:satMod val="200000"/>
+                    </a:schemeClr>
+                  </a:gs>
+                  <a:gs pos="78000">
+                    <a:schemeClr val="accent6">
+                      <a:tint val="90000"/>
+                      <a:shade val="89000"/>
+                      <a:satMod val="220000"/>
+                    </a:schemeClr>
+                  </a:gs>
+                  <a:gs pos="100000">
+                    <a:schemeClr val="accent6">
+                      <a:tint val="12000"/>
+                      <a:satMod val="255000"/>
+                    </a:schemeClr>
+                  </a:gs>
+                </a:gsLst>
+                <a:lin ang="5400000"/>
+              </a:gradFill>
+              <a:effectLst>
+                <a:innerShdw blurRad="69850" dist="43180" dir="5400000">
+                  <a:srgbClr val="000000">
+                    <a:alpha val="65000"/>
+                  </a:srgbClr>
+                </a:innerShdw>
+              </a:effectLst>
+            </a:endParaRPr>
+          </a:p>
+        </p:txBody>
+      </p:sp>
+    </p:spTree>
+  </p:cSld>
+  <p:clrMapOvr>
+    <a:masterClrMapping/>
+  </p:clrMapOvr>
+  <p:transition>
+    <p:randomBar dir="vert"/>
+  </p:transition>
+  <p:timing>
+    <p:tnLst>
+      <p:par>
+        <p:cTn id="1" dur="indefinite" restart="never" nodeType="tmRoot"/>
+      </p:par>
+    </p:tnLst>
+  </p:timing>
+</p:sld>
+</file>
+
+<file path=ppt/slides/slide2.xml><?xml version="1.0" encoding="utf-8"?>
+<p:sld xmlns:a="http://schemas.openxmlformats.org/drawingml/2006/main" xmlns:r="http://schemas.openxmlformats.org/officeDocument/2006/relationships" xmlns:p="http://schemas.openxmlformats.org/presentationml/2006/main">
+  <p:cSld>
+    <p:spTree>
+      <p:nvGrpSpPr>
+        <p:cNvPr id="1" name=""/>
+        <p:cNvGrpSpPr/>
+        <p:nvPr/>
+      </p:nvGrpSpPr>
+      <p:grpSpPr>
+        <a:xfrm>
+          <a:off x="0" y="0"/>
+          <a:ext cx="0" cy="0"/>
+          <a:chOff x="0" y="0"/>
+          <a:chExt cx="0" cy="0"/>
+        </a:xfrm>
+      </p:grpSpPr>
+      <p:sp>
+        <p:nvSpPr>
+          <p:cNvPr id="2" name="Заголовок 1"/>
+          <p:cNvSpPr>
+            <a:spLocks noGrp="1"/>
+          </p:cNvSpPr>
+          <p:nvPr>
+            <p:ph type="title"/>
+          </p:nvPr>
+        </p:nvSpPr>
+        <p:spPr/>
+        <p:txBody>
+          <a:bodyPr/>
+          <a:lstStyle/>
+          <a:p>
+            <a:pPr algn="ctr"/>
+            <a:r>
+              <a:rPr lang="ru-RU" dirty="0" smtClean="0"/>
+              <a:t>Основополагающий вопрос</a:t>
+            </a:r>
+            <a:endParaRPr lang="ru-RU" dirty="0"/>
+          </a:p>
+        </p:txBody>
+      </p:sp>
+      <p:sp>
+        <p:nvSpPr>
+          <p:cNvPr id="3" name="Объект 2"/>
+          <p:cNvSpPr>
+            <a:spLocks noGrp="1"/>
+          </p:cNvSpPr>
+          <p:nvPr>
+            <p:ph idx="1"/>
+          </p:nvPr>
+        </p:nvSpPr>
+        <p:spPr/>
+        <p:txBody>
+          <a:bodyPr>
+            <a:normAutofit/>
+          </a:bodyPr>
+          <a:lstStyle/>
+          <a:p>
+            <a:pPr marL="0" indent="0" algn="ctr">
+              <a:buNone/>
+            </a:pPr>
+            <a:r>
+              <a:rPr lang="ru-RU" sz="4400" dirty="0"/>
+              <a:t>Какую роль играют электронные устройства в нашей жизни?</a:t>
+            </a:r>
+          </a:p>
+        </p:txBody>
+      </p:sp>
+      <p:pic>
+        <p:nvPicPr>
+          <p:cNvPr id="4" name="Рисунок 3"/>
+          <p:cNvPicPr>
+            <a:picLocks noChangeAspect="1"/>
+          </p:cNvPicPr>
+          <p:nvPr/>
+        </p:nvPicPr>
+        <p:blipFill>
+          <a:blip r:embed="rId2" cstate="print">
+            <a:extLst>
+              <a:ext uri="{28A0092B-C50C-407E-A947-70E740481C1C}">
+                <a14:useLocalDpi xmlns:a14="http://schemas.microsoft.com/office/drawing/2010/main" xmlns="" val="0"/>
+              </a:ext>
+            </a:extLst>
+          </a:blip>
+          <a:stretch>
+            <a:fillRect/>
+          </a:stretch>
+        </p:blipFill>
+        <p:spPr>
+          <a:xfrm>
+            <a:off x="1547664" y="3068960"/>
+            <a:ext cx="6015583" cy="3381173"/>
+          </a:xfrm>
+          <a:prstGeom prst="rect">
+            <a:avLst/>
+          </a:prstGeom>
+          <a:ln>
+            <a:noFill/>
+          </a:ln>
+          <a:effectLst>
+            <a:softEdge rad="112500"/>
+          </a:effectLst>
+        </p:spPr>
+      </p:pic>
+    </p:spTree>
+    <p:extLst>
+      <p:ext uri="{BB962C8B-B14F-4D97-AF65-F5344CB8AC3E}">
+        <p14:creationId xmlns:p14="http://schemas.microsoft.com/office/powerpoint/2010/main" xmlns="" val="4250686182"/>
+      </p:ext>
+    </p:extLst>
+  </p:cSld>
+  <p:clrMapOvr>
+    <a:masterClrMapping/>
+  </p:clrMapOvr>
+  <p:transition>
+    <p:randomBar dir="vert"/>
+  </p:transition>
+  <p:timing>
+    <p:tnLst>
+      <p:par>
+        <p:cTn id="1" dur="indefinite" restart="never" nodeType="tmRoot"/>
+      </p:par>
+    </p:tnLst>
+  </p:timing>
+</p:sld>
+</file>
+
+<file path=ppt/slides/slide3.xml><?xml version="1.0" encoding="utf-8"?>
+<p:sld xmlns:a="http://schemas.openxmlformats.org/drawingml/2006/main" xmlns:r="http://schemas.openxmlformats.org/officeDocument/2006/relationships" xmlns:p="http://schemas.openxmlformats.org/presentationml/2006/main">
+  <p:cSld>
+    <p:spTree>
+      <p:nvGrpSpPr>
+        <p:cNvPr id="1" name=""/>
+        <p:cNvGrpSpPr/>
+        <p:nvPr/>
+      </p:nvGrpSpPr>
+      <p:grpSpPr>
+        <a:xfrm>
+          <a:off x="0" y="0"/>
+          <a:ext cx="0" cy="0"/>
+          <a:chOff x="0" y="0"/>
+          <a:chExt cx="0" cy="0"/>
+        </a:xfrm>
+      </p:grpSpPr>
+      <p:sp>
+        <p:nvSpPr>
+          <p:cNvPr id="2" name="Заголовок 1"/>
+          <p:cNvSpPr>
+            <a:spLocks noGrp="1"/>
+          </p:cNvSpPr>
+          <p:nvPr>
+            <p:ph type="title"/>
+          </p:nvPr>
+        </p:nvSpPr>
+        <p:spPr/>
+        <p:txBody>
+          <a:bodyPr/>
+          <a:lstStyle/>
+          <a:p>
+            <a:pPr algn="ctr"/>
+            <a:r>
+              <a:rPr lang="ru-RU" dirty="0" smtClean="0"/>
+              <a:t>гипотеза</a:t>
+            </a:r>
+            <a:endParaRPr lang="ru-RU" dirty="0"/>
+          </a:p>
+        </p:txBody>
+      </p:sp>
+      <p:sp>
+        <p:nvSpPr>
+          <p:cNvPr id="3" name="Объект 2"/>
+          <p:cNvSpPr>
+            <a:spLocks noGrp="1"/>
+          </p:cNvSpPr>
+          <p:nvPr>
+            <p:ph idx="1"/>
+          </p:nvPr>
+        </p:nvSpPr>
+        <p:spPr>
+          <a:xfrm>
+            <a:off x="457200" y="1340768"/>
+            <a:ext cx="8686800" cy="4525963"/>
+          </a:xfrm>
+        </p:spPr>
+        <p:txBody>
+          <a:bodyPr>
+            <a:normAutofit/>
+          </a:bodyPr>
+          <a:lstStyle/>
+          <a:p>
+            <a:pPr marL="0" indent="0" algn="ctr">
+              <a:buNone/>
+            </a:pPr>
+            <a:r>
+              <a:rPr lang="ru-RU" sz="2400" dirty="0" smtClean="0"/>
+              <a:t>Мы предположили, что люди зависимы от электронных устройств, им сложно будет расстаться с ними. Большую часть своего времени человечество проводит вместе с различными гаджетами, уходя в мир виртуальной реальности</a:t>
+            </a:r>
+            <a:endParaRPr lang="ru-RU" sz="2400" dirty="0"/>
+          </a:p>
+        </p:txBody>
+      </p:sp>
+      <p:pic>
+        <p:nvPicPr>
+          <p:cNvPr id="4" name="Рисунок 3" descr="1452528910_020-ellf.ru.png"/>
+          <p:cNvPicPr>
+            <a:picLocks noChangeAspect="1"/>
+          </p:cNvPicPr>
+          <p:nvPr/>
+        </p:nvPicPr>
+        <p:blipFill>
+          <a:blip r:embed="rId2" cstate="print"/>
+          <a:stretch>
+            <a:fillRect/>
+          </a:stretch>
+        </p:blipFill>
+        <p:spPr>
+          <a:xfrm>
+            <a:off x="1619672" y="2924944"/>
+            <a:ext cx="6191250" cy="3733800"/>
+          </a:xfrm>
+          <a:prstGeom prst="rect">
+            <a:avLst/>
+          </a:prstGeom>
+          <a:ln>
+            <a:noFill/>
+          </a:ln>
+          <a:effectLst>
+            <a:softEdge rad="112500"/>
+          </a:effectLst>
+        </p:spPr>
+      </p:pic>
+    </p:spTree>
+    <p:extLst>
+      <p:ext uri="{BB962C8B-B14F-4D97-AF65-F5344CB8AC3E}">
+        <p14:creationId xmlns:p14="http://schemas.microsoft.com/office/powerpoint/2010/main" xmlns="" val="864146625"/>
+      </p:ext>
+    </p:extLst>
+  </p:cSld>
+  <p:clrMapOvr>
+    <a:masterClrMapping/>
+  </p:clrMapOvr>
+  <p:transition>
+    <p:randomBar dir="vert"/>
+  </p:transition>
+  <p:timing>
+    <p:tnLst>
+      <p:par>
+        <p:cTn id="1" dur="indefinite" restart="never" nodeType="tmRoot"/>
+      </p:par>
+    </p:tnLst>
+  </p:timing>
+</p:sld>
+</file>
+
+<file path=ppt/slides/slide4.xml><?xml version="1.0" encoding="utf-8"?>
+<p:sld xmlns:a="http://schemas.openxmlformats.org/drawingml/2006/main" xmlns:r="http://schemas.openxmlformats.org/officeDocument/2006/relationships" xmlns:p="http://schemas.openxmlformats.org/presentationml/2006/main">
+  <p:cSld>
+    <p:spTree>
+      <p:nvGrpSpPr>
+        <p:cNvPr id="1" name=""/>
+        <p:cNvGrpSpPr/>
+        <p:nvPr/>
+      </p:nvGrpSpPr>
+      <p:grpSpPr>
+        <a:xfrm>
+          <a:off x="0" y="0"/>
+          <a:ext cx="0" cy="0"/>
+          <a:chOff x="0" y="0"/>
+          <a:chExt cx="0" cy="0"/>
+        </a:xfrm>
+      </p:grpSpPr>
+      <p:sp>
+        <p:nvSpPr>
+          <p:cNvPr id="2" name="Заголовок 1"/>
+          <p:cNvSpPr>
+            <a:spLocks noGrp="1"/>
+          </p:cNvSpPr>
+          <p:nvPr>
+            <p:ph type="title"/>
+          </p:nvPr>
+        </p:nvSpPr>
+        <p:spPr/>
+        <p:txBody>
+          <a:bodyPr/>
+          <a:lstStyle/>
+          <a:p>
+            <a:pPr algn="ctr"/>
+            <a:r>
+              <a:rPr lang="ru-RU" dirty="0" smtClean="0"/>
+              <a:t>Цель и задачи</a:t>
+            </a:r>
+            <a:endParaRPr lang="ru-RU" dirty="0"/>
+          </a:p>
+        </p:txBody>
+      </p:sp>
+      <p:sp>
+        <p:nvSpPr>
+          <p:cNvPr id="3" name="Объект 2"/>
+          <p:cNvSpPr>
+            <a:spLocks noGrp="1"/>
+          </p:cNvSpPr>
+          <p:nvPr>
+            <p:ph idx="1"/>
+          </p:nvPr>
+        </p:nvSpPr>
+        <p:spPr/>
+        <p:txBody>
+          <a:bodyPr>
+            <a:normAutofit fontScale="92500" lnSpcReduction="10000"/>
+          </a:bodyPr>
+          <a:lstStyle/>
+          <a:p>
+            <a:pPr marL="0" indent="0">
+              <a:buNone/>
+            </a:pPr>
+            <a:r>
+              <a:rPr lang="ru-RU" dirty="0" smtClean="0">
+                <a:solidFill>
+                  <a:srgbClr val="FF0000"/>
+                </a:solidFill>
+              </a:rPr>
+              <a:t>Цель</a:t>
+            </a:r>
+            <a:r>
+              <a:rPr lang="ru-RU" dirty="0" smtClean="0"/>
+              <a:t> – показать реальную зависимость людей от электронных устройств</a:t>
+            </a:r>
+          </a:p>
+          <a:p>
+            <a:pPr marL="0" indent="0" algn="ctr">
+              <a:buNone/>
+            </a:pPr>
+            <a:r>
+              <a:rPr lang="ru-RU" dirty="0" smtClean="0">
+                <a:solidFill>
+                  <a:srgbClr val="FF0000"/>
+                </a:solidFill>
+              </a:rPr>
+              <a:t>Задачи:</a:t>
+            </a:r>
+          </a:p>
+          <a:p>
+            <a:pPr>
+              <a:buFont typeface="Wingdings" panose="05000000000000000000" pitchFamily="2" charset="2"/>
+              <a:buChar char="ü"/>
+            </a:pPr>
+            <a:r>
+              <a:rPr lang="ru-RU" dirty="0" smtClean="0"/>
+              <a:t>Составить анкету-опрос для выявления зависимости людей от различных гаджетов</a:t>
+            </a:r>
+          </a:p>
+          <a:p>
+            <a:pPr>
+              <a:buFont typeface="Wingdings" panose="05000000000000000000" pitchFamily="2" charset="2"/>
+              <a:buChar char="ü"/>
+            </a:pPr>
+            <a:r>
+              <a:rPr lang="ru-RU" dirty="0" smtClean="0"/>
+              <a:t>Распространить анкету среди своего ближайшего окружения</a:t>
+            </a:r>
+          </a:p>
+          <a:p>
+            <a:pPr>
+              <a:buFont typeface="Wingdings" panose="05000000000000000000" pitchFamily="2" charset="2"/>
+              <a:buChar char="ü"/>
+            </a:pPr>
+            <a:r>
+              <a:rPr lang="ru-RU" dirty="0" smtClean="0"/>
+              <a:t>Проанализировать результаты опроса</a:t>
+            </a:r>
+          </a:p>
+          <a:p>
+            <a:pPr>
+              <a:buFont typeface="Wingdings" panose="05000000000000000000" pitchFamily="2" charset="2"/>
+              <a:buChar char="ü"/>
+            </a:pPr>
+            <a:r>
+              <a:rPr lang="ru-RU" dirty="0" smtClean="0"/>
+              <a:t>Сделать выводы</a:t>
+            </a:r>
+            <a:endParaRPr lang="ru-RU" dirty="0"/>
+          </a:p>
+        </p:txBody>
+      </p:sp>
+    </p:spTree>
+    <p:extLst>
+      <p:ext uri="{BB962C8B-B14F-4D97-AF65-F5344CB8AC3E}">
+        <p14:creationId xmlns:p14="http://schemas.microsoft.com/office/powerpoint/2010/main" xmlns="" val="4011971677"/>
+      </p:ext>
+    </p:extLst>
+  </p:cSld>
+  <p:clrMapOvr>
+    <a:masterClrMapping/>
+  </p:clrMapOvr>
+  <p:transition>
+    <p:randomBar dir="vert"/>
+  </p:transition>
+  <p:timing>
+    <p:tnLst>
+      <p:par>
+        <p:cTn id="1" dur="indefinite" restart="never" nodeType="tmRoot"/>
+      </p:par>
+    </p:tnLst>
+  </p:timing>
+</p:sld>
+</file>
+
+<file path=ppt/slides/slide5.xml><?xml version="1.0" encoding="utf-8"?>
+<p:sld xmlns:a="http://schemas.openxmlformats.org/drawingml/2006/main" xmlns:r="http://schemas.openxmlformats.org/officeDocument/2006/relationships" xmlns:p="http://schemas.openxmlformats.org/presentationml/2006/main">
+  <p:cSld>
+    <p:spTree>
+      <p:nvGrpSpPr>
+        <p:cNvPr id="1" name=""/>
+        <p:cNvGrpSpPr/>
+        <p:nvPr/>
+      </p:nvGrpSpPr>
+      <p:grpSpPr>
+        <a:xfrm>
+          <a:off x="0" y="0"/>
+          <a:ext cx="0" cy="0"/>
+          <a:chOff x="0" y="0"/>
+          <a:chExt cx="0" cy="0"/>
+        </a:xfrm>
+      </p:grpSpPr>
+      <p:sp>
+        <p:nvSpPr>
+          <p:cNvPr id="2" name="Заголовок 1"/>
+          <p:cNvSpPr>
+            <a:spLocks noGrp="1"/>
+          </p:cNvSpPr>
+          <p:nvPr>
+            <p:ph type="title"/>
+          </p:nvPr>
+        </p:nvSpPr>
+        <p:spPr/>
+        <p:txBody>
+          <a:bodyPr>
+            <a:normAutofit/>
+          </a:bodyPr>
+          <a:lstStyle/>
+          <a:p>
+            <a:pPr algn="ctr"/>
+            <a:r>
+              <a:rPr lang="ru-RU" dirty="0" smtClean="0">
+                <a:ln>
+                  <a:solidFill>
+                    <a:schemeClr val="tx1"/>
+                  </a:solidFill>
+                </a:ln>
+                <a:latin typeface="Mistral" pitchFamily="66" charset="0"/>
+              </a:rPr>
+              <a:t>Анкета, составленная нами в </a:t>
+            </a:r>
+            <a:r>
+              <a:rPr lang="en-US" dirty="0" err="1" smtClean="0">
+                <a:ln>
+                  <a:solidFill>
+                    <a:schemeClr val="tx1"/>
+                  </a:solidFill>
+                </a:ln>
+                <a:latin typeface="Mistral" pitchFamily="66" charset="0"/>
+              </a:rPr>
+              <a:t>google</a:t>
+            </a:r>
+            <a:r>
+              <a:rPr lang="en-US" dirty="0" smtClean="0">
+                <a:ln>
+                  <a:solidFill>
+                    <a:schemeClr val="tx1"/>
+                  </a:solidFill>
+                </a:ln>
+                <a:latin typeface="Mistral" pitchFamily="66" charset="0"/>
+              </a:rPr>
+              <a:t>-</a:t>
+            </a:r>
+            <a:r>
+              <a:rPr lang="ru-RU" dirty="0" smtClean="0">
+                <a:ln>
+                  <a:solidFill>
+                    <a:schemeClr val="tx1"/>
+                  </a:solidFill>
+                </a:ln>
+                <a:latin typeface="Mistral" pitchFamily="66" charset="0"/>
+              </a:rPr>
+              <a:t>формах</a:t>
+            </a:r>
+            <a:endParaRPr lang="ru-RU" dirty="0">
+              <a:ln>
+                <a:solidFill>
+                  <a:schemeClr val="tx1"/>
+                </a:solidFill>
+              </a:ln>
+              <a:latin typeface="Mistral" pitchFamily="66" charset="0"/>
+            </a:endParaRPr>
+          </a:p>
+        </p:txBody>
+      </p:sp>
+      <p:sp>
+        <p:nvSpPr>
+          <p:cNvPr id="3" name="Содержимое 2"/>
+          <p:cNvSpPr>
+            <a:spLocks noGrp="1"/>
+          </p:cNvSpPr>
+          <p:nvPr>
+            <p:ph idx="1"/>
+          </p:nvPr>
+        </p:nvSpPr>
+        <p:spPr/>
+        <p:txBody>
+          <a:bodyPr>
+            <a:normAutofit fontScale="85000" lnSpcReduction="20000"/>
+          </a:bodyPr>
+          <a:lstStyle/>
+          <a:p>
+            <a:pPr marL="514350" indent="-514350" algn="ctr">
+              <a:buAutoNum type="arabicParenR"/>
+            </a:pPr>
+            <a:r>
+              <a:rPr lang="ru-RU" dirty="0" smtClean="0">
+                <a:ln>
+                  <a:solidFill>
+                    <a:sysClr val="windowText" lastClr="000000"/>
+                  </a:solidFill>
+                </a:ln>
+                <a:solidFill>
+                  <a:srgbClr val="7030A0"/>
+                </a:solidFill>
+                <a:hlinkClick r:id="rId2" action="ppaction://hlinksldjump"/>
+              </a:rPr>
+              <a:t>Пожалуйста, укажите Ваш возраст</a:t>
+            </a:r>
+            <a:endParaRPr lang="ru-RU" dirty="0" smtClean="0">
+              <a:ln>
+                <a:solidFill>
+                  <a:sysClr val="windowText" lastClr="000000"/>
+                </a:solidFill>
+              </a:ln>
+              <a:solidFill>
+                <a:srgbClr val="7030A0"/>
+              </a:solidFill>
+            </a:endParaRPr>
+          </a:p>
+          <a:p>
+            <a:pPr marL="514350" indent="-514350" algn="ctr">
+              <a:buAutoNum type="arabicParenR"/>
+            </a:pPr>
+            <a:r>
+              <a:rPr lang="ru-RU" dirty="0" smtClean="0">
+                <a:ln>
+                  <a:solidFill>
+                    <a:sysClr val="windowText" lastClr="000000"/>
+                  </a:solidFill>
+                </a:ln>
+                <a:solidFill>
+                  <a:srgbClr val="7030A0"/>
+                </a:solidFill>
+                <a:hlinkClick r:id="rId3" action="ppaction://hlinksldjump"/>
+              </a:rPr>
+              <a:t>Часто ли Вы пользуетесь электронными устройствами в повседневной жизни?</a:t>
+            </a:r>
+            <a:endParaRPr lang="ru-RU" dirty="0" smtClean="0">
+              <a:ln>
+                <a:solidFill>
+                  <a:sysClr val="windowText" lastClr="000000"/>
+                </a:solidFill>
+              </a:ln>
+              <a:solidFill>
+                <a:srgbClr val="7030A0"/>
+              </a:solidFill>
+            </a:endParaRPr>
+          </a:p>
+          <a:p>
+            <a:pPr marL="514350" indent="-514350" algn="ctr">
+              <a:buAutoNum type="arabicParenR"/>
+            </a:pPr>
+            <a:r>
+              <a:rPr lang="ru-RU" dirty="0" smtClean="0">
+                <a:ln>
+                  <a:solidFill>
+                    <a:sysClr val="windowText" lastClr="000000"/>
+                  </a:solidFill>
+                </a:ln>
+                <a:solidFill>
+                  <a:srgbClr val="7030A0"/>
+                </a:solidFill>
+                <a:hlinkClick r:id="rId4" action="ppaction://hlinksldjump"/>
+              </a:rPr>
+              <a:t>Какие электронные устройства Вы чаще всего используете? (можно более 1 ответа)</a:t>
+            </a:r>
+            <a:endParaRPr lang="ru-RU" dirty="0" smtClean="0">
+              <a:ln>
+                <a:solidFill>
+                  <a:sysClr val="windowText" lastClr="000000"/>
+                </a:solidFill>
+              </a:ln>
+              <a:solidFill>
+                <a:srgbClr val="7030A0"/>
+              </a:solidFill>
+            </a:endParaRPr>
+          </a:p>
+          <a:p>
+            <a:pPr marL="514350" indent="-514350" algn="ctr">
+              <a:buAutoNum type="arabicParenR"/>
+            </a:pPr>
+            <a:r>
+              <a:rPr lang="ru-RU" dirty="0" smtClean="0">
+                <a:ln>
+                  <a:solidFill>
+                    <a:sysClr val="windowText" lastClr="000000"/>
+                  </a:solidFill>
+                </a:ln>
+                <a:solidFill>
+                  <a:srgbClr val="7030A0"/>
+                </a:solidFill>
+                <a:hlinkClick r:id="rId5" action="ppaction://hlinksldjump"/>
+              </a:rPr>
+              <a:t>Сколько времени Вы проводите за вышеперечисленными устройствами?</a:t>
+            </a:r>
+            <a:endParaRPr lang="ru-RU" dirty="0" smtClean="0">
+              <a:ln>
+                <a:solidFill>
+                  <a:sysClr val="windowText" lastClr="000000"/>
+                </a:solidFill>
+              </a:ln>
+              <a:solidFill>
+                <a:srgbClr val="7030A0"/>
+              </a:solidFill>
+            </a:endParaRPr>
+          </a:p>
+          <a:p>
+            <a:pPr marL="514350" indent="-514350" algn="ctr">
+              <a:buAutoNum type="arabicParenR"/>
+            </a:pPr>
+            <a:r>
+              <a:rPr lang="ru-RU" dirty="0" smtClean="0">
+                <a:ln>
+                  <a:solidFill>
+                    <a:sysClr val="windowText" lastClr="000000"/>
+                  </a:solidFill>
+                </a:ln>
+                <a:solidFill>
+                  <a:srgbClr val="7030A0"/>
+                </a:solidFill>
+                <a:hlinkClick r:id="rId6" action="ppaction://hlinksldjump"/>
+              </a:rPr>
+              <a:t>Соблюдаете ли Вы какие-нибудь правила, необходимые при работе с электронными устройствами?</a:t>
+            </a:r>
+            <a:endParaRPr lang="ru-RU" dirty="0" smtClean="0">
+              <a:ln>
+                <a:solidFill>
+                  <a:sysClr val="windowText" lastClr="000000"/>
+                </a:solidFill>
+              </a:ln>
+              <a:solidFill>
+                <a:srgbClr val="7030A0"/>
+              </a:solidFill>
+            </a:endParaRPr>
+          </a:p>
+          <a:p>
+            <a:pPr marL="514350" indent="-514350" algn="ctr">
+              <a:buAutoNum type="arabicParenR"/>
+            </a:pPr>
+            <a:r>
+              <a:rPr lang="ru-RU" dirty="0" smtClean="0">
+                <a:ln>
+                  <a:solidFill>
+                    <a:sysClr val="windowText" lastClr="000000"/>
+                  </a:solidFill>
+                </a:ln>
+                <a:solidFill>
+                  <a:schemeClr val="accent1">
+                    <a:lumMod val="75000"/>
+                  </a:schemeClr>
+                </a:solidFill>
+                <a:hlinkClick r:id="rId7" action="ppaction://hlinksldjump"/>
+              </a:rPr>
+              <a:t>Смогли бы Вы отказаться от электронных устройств?</a:t>
+            </a:r>
+            <a:endParaRPr lang="ru-RU" dirty="0">
+              <a:ln>
+                <a:solidFill>
+                  <a:sysClr val="windowText" lastClr="000000"/>
+                </a:solidFill>
+              </a:ln>
+              <a:solidFill>
+                <a:schemeClr val="accent1">
+                  <a:lumMod val="75000"/>
+                </a:schemeClr>
+              </a:solidFill>
+            </a:endParaRPr>
+          </a:p>
+        </p:txBody>
+      </p:sp>
+    </p:spTree>
+  </p:cSld>
+  <p:clrMapOvr>
+    <a:masterClrMapping/>
+  </p:clrMapOvr>
+  <p:transition>
+    <p:randomBar dir="vert"/>
+  </p:transition>
+  <p:timing>
+    <p:tnLst>
+      <p:par>
+        <p:cTn id="1" dur="indefinite" restart="never" nodeType="tmRoot"/>
+      </p:par>
+    </p:tnLst>
+  </p:timing>
+</p:sld>
+</file>
+
+<file path=ppt/slides/slide6.xml><?xml version="1.0" encoding="utf-8"?>
+<p:sld xmlns:a="http://schemas.openxmlformats.org/drawingml/2006/main" xmlns:r="http://schemas.openxmlformats.org/officeDocument/2006/relationships" xmlns:p="http://schemas.openxmlformats.org/presentationml/2006/main">
+  <p:cSld>
+    <p:spTree>
+      <p:nvGrpSpPr>
+        <p:cNvPr id="1" name=""/>
+        <p:cNvGrpSpPr/>
+        <p:nvPr/>
+      </p:nvGrpSpPr>
+      <p:grpSpPr>
+        <a:xfrm>
+          <a:off x="0" y="0"/>
+          <a:ext cx="0" cy="0"/>
+          <a:chOff x="0" y="0"/>
+          <a:chExt cx="0" cy="0"/>
+        </a:xfrm>
+      </p:grpSpPr>
+      <p:sp>
+        <p:nvSpPr>
+          <p:cNvPr id="2" name="Заголовок 1"/>
+          <p:cNvSpPr>
+            <a:spLocks noGrp="1"/>
+          </p:cNvSpPr>
+          <p:nvPr>
+            <p:ph type="title"/>
+          </p:nvPr>
+        </p:nvSpPr>
+        <p:spPr/>
+        <p:txBody>
+          <a:bodyPr/>
+          <a:lstStyle/>
+          <a:p>
+            <a:pPr algn="ctr"/>
+            <a:r>
+              <a:rPr lang="ru-RU" dirty="0" smtClean="0"/>
+              <a:t>Вопрос №1</a:t>
+            </a:r>
+            <a:endParaRPr lang="ru-RU" dirty="0"/>
+          </a:p>
+        </p:txBody>
+      </p:sp>
+      <p:graphicFrame>
+        <p:nvGraphicFramePr>
+          <p:cNvPr id="5" name="Содержимое 4"/>
+          <p:cNvGraphicFramePr>
+            <a:graphicFrameLocks noGrp="1"/>
+          </p:cNvGraphicFramePr>
+          <p:nvPr>
+            <p:ph idx="1"/>
+          </p:nvPr>
+        </p:nvGraphicFramePr>
+        <p:xfrm>
+          <a:off x="251520" y="1412776"/>
+          <a:ext cx="8686800" cy="4680520"/>
+        </p:xfrm>
+        <a:graphic>
+          <a:graphicData uri="http://schemas.openxmlformats.org/drawingml/2006/chart">
+            <c:chart xmlns:c="http://schemas.openxmlformats.org/drawingml/2006/chart" xmlns:r="http://schemas.openxmlformats.org/officeDocument/2006/relationships" r:id="rId2"/>
+          </a:graphicData>
+        </a:graphic>
+      </p:graphicFrame>
+      <p:sp>
+        <p:nvSpPr>
+          <p:cNvPr id="4" name="Стрелка вправо 3">
+            <a:hlinkClick r:id="rId3" action="ppaction://hlinksldjump" tooltip="Следующий вопрос"/>
+          </p:cNvPr>
+          <p:cNvSpPr/>
+          <p:nvPr/>
+        </p:nvSpPr>
+        <p:spPr>
+          <a:xfrm>
+            <a:off x="7236296" y="6085179"/>
+            <a:ext cx="1440160" cy="648072"/>
+          </a:xfrm>
+          <a:prstGeom prst="rightArrow">
+            <a:avLst/>
+          </a:prstGeom>
+        </p:spPr>
+        <p:style>
+          <a:lnRef idx="2">
+            <a:schemeClr val="accent1">
+              <a:shade val="50000"/>
+            </a:schemeClr>
+          </a:lnRef>
+          <a:fillRef idx="1">
+            <a:schemeClr val="accent1"/>
+          </a:fillRef>
+          <a:effectRef idx="0">
+            <a:schemeClr val="accent1"/>
+          </a:effectRef>
+          <a:fontRef idx="minor">
+            <a:schemeClr val="lt1"/>
+          </a:fontRef>
+        </p:style>
+        <p:txBody>
+          <a:bodyPr rtlCol="0" anchor="ctr"/>
+          <a:lstStyle/>
+          <a:p>
+            <a:pPr algn="ctr"/>
+            <a:endParaRPr lang="ru-RU"/>
+          </a:p>
+        </p:txBody>
+      </p:sp>
+      <p:sp>
+        <p:nvSpPr>
+          <p:cNvPr id="6" name="Овал 5">
+            <a:hlinkClick r:id="rId4" action="ppaction://hlinksldjump" tooltip="Вернуться к вопросам"/>
+          </p:cNvPr>
+          <p:cNvSpPr/>
+          <p:nvPr/>
+        </p:nvSpPr>
+        <p:spPr>
+          <a:xfrm>
+            <a:off x="6516216" y="6229195"/>
+            <a:ext cx="504056" cy="360040"/>
+          </a:xfrm>
+          <a:prstGeom prst="ellipse">
+            <a:avLst/>
+          </a:prstGeom>
+        </p:spPr>
+        <p:style>
+          <a:lnRef idx="2">
+            <a:schemeClr val="accent1">
+              <a:shade val="50000"/>
+            </a:schemeClr>
+          </a:lnRef>
+          <a:fillRef idx="1">
+            <a:schemeClr val="accent1"/>
+          </a:fillRef>
+          <a:effectRef idx="0">
+            <a:schemeClr val="accent1"/>
+          </a:effectRef>
+          <a:fontRef idx="minor">
+            <a:schemeClr val="lt1"/>
+          </a:fontRef>
+        </p:style>
+        <p:txBody>
+          <a:bodyPr rtlCol="0" anchor="ctr"/>
+          <a:lstStyle/>
+          <a:p>
+            <a:pPr algn="ctr"/>
+            <a:endParaRPr lang="ru-RU"/>
+          </a:p>
+        </p:txBody>
+      </p:sp>
+      <p:sp>
+        <p:nvSpPr>
+          <p:cNvPr id="8" name="TextBox 7"/>
+          <p:cNvSpPr txBox="1"/>
+          <p:nvPr/>
+        </p:nvSpPr>
+        <p:spPr>
+          <a:xfrm>
+            <a:off x="6768244" y="332656"/>
+            <a:ext cx="1548172" cy="369332"/>
+          </a:xfrm>
+          <a:prstGeom prst="rect">
+            <a:avLst/>
+          </a:prstGeom>
+          <a:noFill/>
+        </p:spPr>
+        <p:txBody>
+          <a:bodyPr wrap="square" rtlCol="0">
+            <a:spAutoFit/>
+          </a:bodyPr>
+          <a:lstStyle/>
+          <a:p>
+            <a:endParaRPr lang="ru-RU" dirty="0"/>
+          </a:p>
+        </p:txBody>
+      </p:sp>
+      <p:sp>
+        <p:nvSpPr>
+          <p:cNvPr id="9" name="TextBox 8"/>
+          <p:cNvSpPr txBox="1"/>
+          <p:nvPr/>
+        </p:nvSpPr>
+        <p:spPr>
+          <a:xfrm>
+            <a:off x="8104348" y="147990"/>
+            <a:ext cx="648072" cy="923330"/>
+          </a:xfrm>
+          <a:prstGeom prst="rect">
+            <a:avLst/>
+          </a:prstGeom>
+          <a:noFill/>
+        </p:spPr>
+        <p:txBody>
+          <a:bodyPr wrap="square" rtlCol="0">
+            <a:spAutoFit/>
+            <a:scene3d>
+              <a:camera prst="orthographicFront"/>
+              <a:lightRig rig="brightRoom" dir="t"/>
+            </a:scene3d>
+            <a:sp3d contourW="6350" prstMaterial="plastic">
+              <a:bevelT w="20320" h="20320" prst="angle"/>
+              <a:contourClr>
+                <a:schemeClr val="accent1">
+                  <a:tint val="100000"/>
+                  <a:shade val="100000"/>
+                  <a:hueMod val="100000"/>
+                  <a:satMod val="100000"/>
+                </a:schemeClr>
+              </a:contourClr>
+            </a:sp3d>
+          </a:bodyPr>
+          <a:lstStyle/>
+          <a:p>
+            <a:r>
+              <a:rPr lang="ru-RU" sz="5400" b="1" cap="all" dirty="0" smtClean="0">
+                <a:ln/>
+                <a:solidFill>
+                  <a:schemeClr val="accent1"/>
+                </a:solidFill>
+                <a:effectLst>
+                  <a:outerShdw blurRad="19685" dist="12700" dir="5400000" algn="tl" rotWithShape="0">
+                    <a:schemeClr val="accent1">
+                      <a:satMod val="130000"/>
+                      <a:alpha val="60000"/>
+                    </a:schemeClr>
+                  </a:outerShdw>
+                  <a:reflection blurRad="10000" stA="55000" endPos="48000" dist="500" dir="5400000" sy="-100000" algn="bl" rotWithShape="0"/>
+                </a:effectLst>
+                <a:hlinkClick r:id="rId5" action="ppaction://hlinksldjump" tooltip="Пожалуйста, укажите Ваш возраст"/>
+              </a:rPr>
+              <a:t>?</a:t>
+            </a:r>
+            <a:endParaRPr lang="ru-RU" sz="5400" b="1" cap="all" dirty="0">
+              <a:ln/>
+              <a:solidFill>
+                <a:schemeClr val="accent1"/>
+              </a:solidFill>
+              <a:effectLst>
+                <a:outerShdw blurRad="19685" dist="12700" dir="5400000" algn="tl" rotWithShape="0">
+                  <a:schemeClr val="accent1">
+                    <a:satMod val="130000"/>
+                    <a:alpha val="60000"/>
+                  </a:schemeClr>
+                </a:outerShdw>
+                <a:reflection blurRad="10000" stA="55000" endPos="48000" dist="500" dir="5400000" sy="-100000" algn="bl" rotWithShape="0"/>
+              </a:effectLst>
+            </a:endParaRPr>
+          </a:p>
+        </p:txBody>
+      </p:sp>
+    </p:spTree>
+  </p:cSld>
+  <p:clrMapOvr>
+    <a:masterClrMapping/>
+  </p:clrMapOvr>
+  <p:transition>
+    <p:randomBar dir="vert"/>
+  </p:transition>
+  <p:timing>
+    <p:tnLst>
+      <p:par>
+        <p:cTn id="1" dur="indefinite" restart="never" nodeType="tmRoot"/>
+      </p:par>
+    </p:tnLst>
+  </p:timing>
+</p:sld>
+</file>
+
+<file path=ppt/slides/slide7.xml><?xml version="1.0" encoding="utf-8"?>
+<p:sld xmlns:a="http://schemas.openxmlformats.org/drawingml/2006/main" xmlns:r="http://schemas.openxmlformats.org/officeDocument/2006/relationships" xmlns:p="http://schemas.openxmlformats.org/presentationml/2006/main">
+  <p:cSld>
+    <p:spTree>
+      <p:nvGrpSpPr>
+        <p:cNvPr id="1" name=""/>
+        <p:cNvGrpSpPr/>
+        <p:nvPr/>
+      </p:nvGrpSpPr>
+      <p:grpSpPr>
+        <a:xfrm>
+          <a:off x="0" y="0"/>
+          <a:ext cx="0" cy="0"/>
+          <a:chOff x="0" y="0"/>
+          <a:chExt cx="0" cy="0"/>
+        </a:xfrm>
+      </p:grpSpPr>
+      <p:sp>
+        <p:nvSpPr>
+          <p:cNvPr id="2" name="Заголовок 1"/>
+          <p:cNvSpPr>
+            <a:spLocks noGrp="1"/>
+          </p:cNvSpPr>
+          <p:nvPr>
+            <p:ph type="title"/>
+          </p:nvPr>
+        </p:nvSpPr>
+        <p:spPr/>
+        <p:txBody>
+          <a:bodyPr/>
+          <a:lstStyle/>
+          <a:p>
+            <a:pPr algn="ctr"/>
+            <a:r>
+              <a:rPr lang="ru-RU" dirty="0" smtClean="0"/>
+              <a:t>Вопрос №2</a:t>
+            </a:r>
+            <a:endParaRPr lang="ru-RU" dirty="0"/>
+          </a:p>
+        </p:txBody>
+      </p:sp>
+      <p:graphicFrame>
+        <p:nvGraphicFramePr>
+          <p:cNvPr id="4" name="Содержимое 3"/>
+          <p:cNvGraphicFramePr>
+            <a:graphicFrameLocks noGrp="1"/>
+          </p:cNvGraphicFramePr>
+          <p:nvPr>
+            <p:ph idx="1"/>
+          </p:nvPr>
+        </p:nvGraphicFramePr>
+        <p:xfrm>
+          <a:off x="251520" y="1484784"/>
+          <a:ext cx="8686800" cy="4525962"/>
+        </p:xfrm>
+        <a:graphic>
+          <a:graphicData uri="http://schemas.openxmlformats.org/drawingml/2006/chart">
+            <c:chart xmlns:c="http://schemas.openxmlformats.org/drawingml/2006/chart" xmlns:r="http://schemas.openxmlformats.org/officeDocument/2006/relationships" r:id="rId2"/>
+          </a:graphicData>
+        </a:graphic>
+      </p:graphicFrame>
+      <p:sp>
+        <p:nvSpPr>
+          <p:cNvPr id="5" name="Стрелка вправо 4">
+            <a:hlinkClick r:id="rId3" action="ppaction://hlinksldjump" tooltip="Следующий вопрос"/>
+          </p:cNvPr>
+          <p:cNvSpPr/>
+          <p:nvPr/>
+        </p:nvSpPr>
+        <p:spPr>
+          <a:xfrm>
+            <a:off x="7236296" y="6209928"/>
+            <a:ext cx="1440160" cy="648072"/>
+          </a:xfrm>
+          <a:prstGeom prst="rightArrow">
+            <a:avLst/>
+          </a:prstGeom>
+        </p:spPr>
+        <p:style>
+          <a:lnRef idx="2">
+            <a:schemeClr val="accent1">
+              <a:shade val="50000"/>
+            </a:schemeClr>
+          </a:lnRef>
+          <a:fillRef idx="1">
+            <a:schemeClr val="accent1"/>
+          </a:fillRef>
+          <a:effectRef idx="0">
+            <a:schemeClr val="accent1"/>
+          </a:effectRef>
+          <a:fontRef idx="minor">
+            <a:schemeClr val="lt1"/>
+          </a:fontRef>
+        </p:style>
+        <p:txBody>
+          <a:bodyPr rtlCol="0" anchor="ctr"/>
+          <a:lstStyle/>
+          <a:p>
+            <a:pPr algn="ctr"/>
+            <a:endParaRPr lang="ru-RU"/>
+          </a:p>
+        </p:txBody>
+      </p:sp>
+      <p:sp>
+        <p:nvSpPr>
+          <p:cNvPr id="6" name="Овал 5">
+            <a:hlinkClick r:id="rId4" action="ppaction://hlinksldjump" tooltip="Вернуться к вопросам"/>
+          </p:cNvPr>
+          <p:cNvSpPr/>
+          <p:nvPr/>
+        </p:nvSpPr>
+        <p:spPr>
+          <a:xfrm>
+            <a:off x="6516216" y="6309320"/>
+            <a:ext cx="504056" cy="360040"/>
+          </a:xfrm>
+          <a:prstGeom prst="ellipse">
+            <a:avLst/>
+          </a:prstGeom>
+        </p:spPr>
+        <p:style>
+          <a:lnRef idx="2">
+            <a:schemeClr val="accent1">
+              <a:shade val="50000"/>
+            </a:schemeClr>
+          </a:lnRef>
+          <a:fillRef idx="1">
+            <a:schemeClr val="accent1"/>
+          </a:fillRef>
+          <a:effectRef idx="0">
+            <a:schemeClr val="accent1"/>
+          </a:effectRef>
+          <a:fontRef idx="minor">
+            <a:schemeClr val="lt1"/>
+          </a:fontRef>
+        </p:style>
+        <p:txBody>
+          <a:bodyPr rtlCol="0" anchor="ctr"/>
+          <a:lstStyle/>
+          <a:p>
+            <a:pPr algn="ctr"/>
+            <a:endParaRPr lang="ru-RU"/>
+          </a:p>
+        </p:txBody>
+      </p:sp>
+      <p:sp>
+        <p:nvSpPr>
+          <p:cNvPr id="7" name="Стрелка вправо 6">
+            <a:hlinkClick r:id="rId5" action="ppaction://hlinksldjump" tooltip="Предыдущий вопрос"/>
+          </p:cNvPr>
+          <p:cNvSpPr/>
+          <p:nvPr/>
+        </p:nvSpPr>
+        <p:spPr>
+          <a:xfrm rot="10800000">
+            <a:off x="4788024" y="6209928"/>
+            <a:ext cx="1440160" cy="648072"/>
+          </a:xfrm>
+          <a:prstGeom prst="rightArrow">
+            <a:avLst/>
+          </a:prstGeom>
+        </p:spPr>
+        <p:style>
+          <a:lnRef idx="2">
+            <a:schemeClr val="accent1">
+              <a:shade val="50000"/>
+            </a:schemeClr>
+          </a:lnRef>
+          <a:fillRef idx="1">
+            <a:schemeClr val="accent1"/>
+          </a:fillRef>
+          <a:effectRef idx="0">
+            <a:schemeClr val="accent1"/>
+          </a:effectRef>
+          <a:fontRef idx="minor">
+            <a:schemeClr val="lt1"/>
+          </a:fontRef>
+        </p:style>
+        <p:txBody>
+          <a:bodyPr rtlCol="0" anchor="ctr"/>
+          <a:lstStyle/>
+          <a:p>
+            <a:pPr algn="ctr"/>
+            <a:endParaRPr lang="ru-RU"/>
+          </a:p>
+        </p:txBody>
+      </p:sp>
+      <p:sp>
+        <p:nvSpPr>
+          <p:cNvPr id="8" name="TextBox 7"/>
+          <p:cNvSpPr txBox="1"/>
+          <p:nvPr/>
+        </p:nvSpPr>
+        <p:spPr>
+          <a:xfrm>
+            <a:off x="8104348" y="147990"/>
+            <a:ext cx="648072" cy="923330"/>
+          </a:xfrm>
+          <a:prstGeom prst="rect">
+            <a:avLst/>
+          </a:prstGeom>
+          <a:noFill/>
+        </p:spPr>
+        <p:txBody>
+          <a:bodyPr wrap="square" rtlCol="0">
+            <a:spAutoFit/>
+            <a:scene3d>
+              <a:camera prst="orthographicFront"/>
+              <a:lightRig rig="brightRoom" dir="t"/>
+            </a:scene3d>
+            <a:sp3d contourW="6350" prstMaterial="plastic">
+              <a:bevelT w="20320" h="20320" prst="angle"/>
+              <a:contourClr>
+                <a:schemeClr val="accent1">
+                  <a:tint val="100000"/>
+                  <a:shade val="100000"/>
+                  <a:hueMod val="100000"/>
+                  <a:satMod val="100000"/>
+                </a:schemeClr>
+              </a:contourClr>
+            </a:sp3d>
+          </a:bodyPr>
+          <a:lstStyle/>
+          <a:p>
+            <a:r>
+              <a:rPr lang="ru-RU" sz="5400" b="1" cap="all" dirty="0" smtClean="0">
+                <a:ln/>
+                <a:solidFill>
+                  <a:schemeClr val="accent1"/>
+                </a:solidFill>
+                <a:effectLst>
+                  <a:outerShdw blurRad="19685" dist="12700" dir="5400000" algn="tl" rotWithShape="0">
+                    <a:schemeClr val="accent1">
+                      <a:satMod val="130000"/>
+                      <a:alpha val="60000"/>
+                    </a:schemeClr>
+                  </a:outerShdw>
+                  <a:reflection blurRad="10000" stA="55000" endPos="48000" dist="500" dir="5400000" sy="-100000" algn="bl" rotWithShape="0"/>
+                </a:effectLst>
+                <a:hlinkClick r:id="rId6" action="ppaction://hlinksldjump" tooltip="Часто ли Вы пользуетесь электронными устройствами в повседневной жизни?"/>
               </a:rPr>
               <a:t>?</a:t>
             </a:r>
@@ -7657,30 +7606,6 @@
           <a:chExt cx="0" cy="0"/>
         </a:xfrm>
       </p:grpSpPr>
-      <p:sp>
-        <p:nvSpPr>
-          <p:cNvPr id="2" name="Заголовок 1"/>
-          <p:cNvSpPr>
-            <a:spLocks noGrp="1"/>
-          </p:cNvSpPr>
-          <p:nvPr>
-            <p:ph type="title"/>
-          </p:nvPr>
-        </p:nvSpPr>
-        <p:spPr/>
-        <p:txBody>
-          <a:bodyPr/>
-          <a:lstStyle/>
-          <a:p>
-            <a:pPr algn="ctr"/>
-            <a:r>
-              <a:rPr lang="ru-RU" dirty="0" smtClean="0"/>
-              <a:t>Вопрос №6</a:t>
-            </a:r>
-            <a:endParaRPr lang="ru-RU" dirty="0"/>
-          </a:p>
-        </p:txBody>
-      </p:sp>
       <p:graphicFrame>
         <p:nvGraphicFramePr>
           <p:cNvPr id="4" name="Содержимое 3"/>
@@ -7692,8 +7617,8 @@
           </p:nvPr>
         </p:nvGraphicFramePr>
         <p:xfrm>
-          <a:off x="304800" y="1554163"/>
-          <a:ext cx="8686800" cy="4525962"/>
+          <a:off x="179512" y="188640"/>
+          <a:ext cx="4104456" cy="6264696"/>
         </p:xfrm>
         <a:graphic>
           <a:graphicData uri="http://schemas.openxmlformats.org/drawingml/2006/chart">
@@ -7701,17 +7626,432 @@
           </a:graphicData>
         </a:graphic>
       </p:graphicFrame>
-      <p:sp>
-        <p:nvSpPr>
-          <p:cNvPr id="5" name="Стрелка вправо 4">
-            <a:hlinkClick r:id="rId3" action="ppaction://hlinksldjump" tooltip="Перейти к выводу"/>
+      <p:graphicFrame>
+        <p:nvGraphicFramePr>
+          <p:cNvPr id="6" name="Содержимое 3"/>
+          <p:cNvGraphicFramePr>
+            <a:graphicFrameLocks/>
+          </p:cNvGraphicFramePr>
+          <p:nvPr/>
+        </p:nvGraphicFramePr>
+        <p:xfrm>
+          <a:off x="4644008" y="260648"/>
+          <a:ext cx="4104456" cy="6264696"/>
+        </p:xfrm>
+        <a:graphic>
+          <a:graphicData uri="http://schemas.openxmlformats.org/drawingml/2006/chart">
+            <c:chart xmlns:c="http://schemas.openxmlformats.org/drawingml/2006/chart" xmlns:r="http://schemas.openxmlformats.org/officeDocument/2006/relationships" r:id="rId3"/>
+          </a:graphicData>
+        </a:graphic>
+      </p:graphicFrame>
+      <p:sp>
+        <p:nvSpPr>
+          <p:cNvPr id="7" name="Заголовок 1"/>
+          <p:cNvSpPr>
+            <a:spLocks noGrp="1"/>
+          </p:cNvSpPr>
+          <p:nvPr>
+            <p:ph type="title"/>
+          </p:nvPr>
+        </p:nvSpPr>
+        <p:spPr>
+          <a:xfrm>
+            <a:off x="0" y="260648"/>
+            <a:ext cx="8686800" cy="838200"/>
+          </a:xfrm>
+        </p:spPr>
+        <p:txBody>
+          <a:bodyPr/>
+          <a:lstStyle/>
+          <a:p>
+            <a:pPr algn="ctr"/>
+            <a:r>
+              <a:rPr lang="ru-RU" dirty="0" smtClean="0"/>
+              <a:t>Вопрос №3</a:t>
+            </a:r>
+            <a:endParaRPr lang="ru-RU" dirty="0"/>
+          </a:p>
+        </p:txBody>
+      </p:sp>
+      <p:sp>
+        <p:nvSpPr>
+          <p:cNvPr id="8" name="Стрелка вправо 7">
+            <a:hlinkClick r:id="rId4" action="ppaction://hlinksldjump" tooltip="Предыдущий вопрос"/>
           </p:cNvPr>
           <p:cNvSpPr/>
           <p:nvPr/>
         </p:nvSpPr>
         <p:spPr>
+          <a:xfrm rot="10800000">
+            <a:off x="5436096" y="0"/>
+            <a:ext cx="1440160" cy="648072"/>
+          </a:xfrm>
+          <a:prstGeom prst="rightArrow">
+            <a:avLst/>
+          </a:prstGeom>
+        </p:spPr>
+        <p:style>
+          <a:lnRef idx="2">
+            <a:schemeClr val="accent1">
+              <a:shade val="50000"/>
+            </a:schemeClr>
+          </a:lnRef>
+          <a:fillRef idx="1">
+            <a:schemeClr val="accent1"/>
+          </a:fillRef>
+          <a:effectRef idx="0">
+            <a:schemeClr val="accent1"/>
+          </a:effectRef>
+          <a:fontRef idx="minor">
+            <a:schemeClr val="lt1"/>
+          </a:fontRef>
+        </p:style>
+        <p:txBody>
+          <a:bodyPr rtlCol="0" anchor="ctr"/>
+          <a:lstStyle/>
+          <a:p>
+            <a:pPr algn="ctr"/>
+            <a:endParaRPr lang="ru-RU"/>
+          </a:p>
+        </p:txBody>
+      </p:sp>
+      <p:sp>
+        <p:nvSpPr>
+          <p:cNvPr id="9" name="Стрелка вправо 8">
+            <a:hlinkClick r:id="rId5" action="ppaction://hlinksldjump" tooltip="Следующий вопрос"/>
+          </p:cNvPr>
+          <p:cNvSpPr/>
+          <p:nvPr/>
+        </p:nvSpPr>
+        <p:spPr>
           <a:xfrm>
-            <a:off x="7703840" y="6209928"/>
+            <a:off x="7703840" y="0"/>
+            <a:ext cx="1440160" cy="648072"/>
+          </a:xfrm>
+          <a:prstGeom prst="rightArrow">
+            <a:avLst/>
+          </a:prstGeom>
+        </p:spPr>
+        <p:style>
+          <a:lnRef idx="2">
+            <a:schemeClr val="accent1">
+              <a:shade val="50000"/>
+            </a:schemeClr>
+          </a:lnRef>
+          <a:fillRef idx="1">
+            <a:schemeClr val="accent1"/>
+          </a:fillRef>
+          <a:effectRef idx="0">
+            <a:schemeClr val="accent1"/>
+          </a:effectRef>
+          <a:fontRef idx="minor">
+            <a:schemeClr val="lt1"/>
+          </a:fontRef>
+        </p:style>
+        <p:txBody>
+          <a:bodyPr rtlCol="0" anchor="ctr"/>
+          <a:lstStyle/>
+          <a:p>
+            <a:pPr algn="ctr"/>
+            <a:endParaRPr lang="ru-RU"/>
+          </a:p>
+        </p:txBody>
+      </p:sp>
+      <p:sp>
+        <p:nvSpPr>
+          <p:cNvPr id="10" name="Овал 9">
+            <a:hlinkClick r:id="rId6" action="ppaction://hlinksldjump" tooltip="Вернуться к вопросам"/>
+          </p:cNvPr>
+          <p:cNvSpPr/>
+          <p:nvPr/>
+        </p:nvSpPr>
+        <p:spPr>
+          <a:xfrm>
+            <a:off x="7020272" y="144016"/>
+            <a:ext cx="504056" cy="360040"/>
+          </a:xfrm>
+          <a:prstGeom prst="ellipse">
+            <a:avLst/>
+          </a:prstGeom>
+        </p:spPr>
+        <p:style>
+          <a:lnRef idx="2">
+            <a:schemeClr val="accent1">
+              <a:shade val="50000"/>
+            </a:schemeClr>
+          </a:lnRef>
+          <a:fillRef idx="1">
+            <a:schemeClr val="accent1"/>
+          </a:fillRef>
+          <a:effectRef idx="0">
+            <a:schemeClr val="accent1"/>
+          </a:effectRef>
+          <a:fontRef idx="minor">
+            <a:schemeClr val="lt1"/>
+          </a:fontRef>
+        </p:style>
+        <p:txBody>
+          <a:bodyPr rtlCol="0" anchor="ctr"/>
+          <a:lstStyle/>
+          <a:p>
+            <a:pPr algn="ctr"/>
+            <a:endParaRPr lang="ru-RU"/>
+          </a:p>
+        </p:txBody>
+      </p:sp>
+      <p:sp>
+        <p:nvSpPr>
+          <p:cNvPr id="11" name="TextBox 10"/>
+          <p:cNvSpPr txBox="1"/>
+          <p:nvPr/>
+        </p:nvSpPr>
+        <p:spPr>
+          <a:xfrm>
+            <a:off x="8316416" y="3068960"/>
+            <a:ext cx="648072" cy="923330"/>
+          </a:xfrm>
+          <a:prstGeom prst="rect">
+            <a:avLst/>
+          </a:prstGeom>
+          <a:noFill/>
+        </p:spPr>
+        <p:txBody>
+          <a:bodyPr wrap="square" rtlCol="0">
+            <a:spAutoFit/>
+            <a:scene3d>
+              <a:camera prst="orthographicFront"/>
+              <a:lightRig rig="brightRoom" dir="t"/>
+            </a:scene3d>
+            <a:sp3d contourW="6350" prstMaterial="plastic">
+              <a:bevelT w="20320" h="20320" prst="angle"/>
+              <a:contourClr>
+                <a:schemeClr val="accent1">
+                  <a:tint val="100000"/>
+                  <a:shade val="100000"/>
+                  <a:hueMod val="100000"/>
+                  <a:satMod val="100000"/>
+                </a:schemeClr>
+              </a:contourClr>
+            </a:sp3d>
+          </a:bodyPr>
+          <a:lstStyle/>
+          <a:p>
+            <a:r>
+              <a:rPr lang="ru-RU" sz="5400" b="1" cap="all" dirty="0" smtClean="0">
+                <a:ln/>
+                <a:solidFill>
+                  <a:schemeClr val="accent1"/>
+                </a:solidFill>
+                <a:effectLst>
+                  <a:outerShdw blurRad="19685" dist="12700" dir="5400000" algn="tl" rotWithShape="0">
+                    <a:schemeClr val="accent1">
+                      <a:satMod val="130000"/>
+                      <a:alpha val="60000"/>
+                    </a:schemeClr>
+                  </a:outerShdw>
+                  <a:reflection blurRad="10000" stA="55000" endPos="48000" dist="500" dir="5400000" sy="-100000" algn="bl" rotWithShape="0"/>
+                </a:effectLst>
+                <a:hlinkClick r:id="rId7" action="ppaction://hlinksldjump" tooltip="Какие электронные устройства Вы чаще всего используете? (можно более 1 ответа)"/>
+              </a:rPr>
+              <a:t>?</a:t>
+            </a:r>
+            <a:endParaRPr lang="ru-RU" sz="5400" b="1" cap="all" dirty="0">
+              <a:ln/>
+              <a:solidFill>
+                <a:schemeClr val="accent1"/>
+              </a:solidFill>
+              <a:effectLst>
+                <a:outerShdw blurRad="19685" dist="12700" dir="5400000" algn="tl" rotWithShape="0">
+                  <a:schemeClr val="accent1">
+                    <a:satMod val="130000"/>
+                    <a:alpha val="60000"/>
+                  </a:schemeClr>
+                </a:outerShdw>
+                <a:reflection blurRad="10000" stA="55000" endPos="48000" dist="500" dir="5400000" sy="-100000" algn="bl" rotWithShape="0"/>
+              </a:effectLst>
+            </a:endParaRPr>
+          </a:p>
+        </p:txBody>
+      </p:sp>
+    </p:spTree>
+  </p:cSld>
+  <p:clrMapOvr>
+    <a:masterClrMapping/>
+  </p:clrMapOvr>
+  <p:transition>
+    <p:randomBar dir="vert"/>
+  </p:transition>
+  <p:timing>
+    <p:tnLst>
+      <p:par>
+        <p:cTn id="1" dur="indefinite" restart="never" nodeType="tmRoot"/>
+      </p:par>
+    </p:tnLst>
+  </p:timing>
+</p:sld>
+</file>
+
+<file path=ppt/slides/slide9.xml><?xml version="1.0" encoding="utf-8"?>
+<p:sld xmlns:a="http://schemas.openxmlformats.org/drawingml/2006/main" xmlns:r="http://schemas.openxmlformats.org/officeDocument/2006/relationships" xmlns:p="http://schemas.openxmlformats.org/presentationml/2006/main">
+  <p:cSld>
+    <p:spTree>
+      <p:nvGrpSpPr>
+        <p:cNvPr id="1" name=""/>
+        <p:cNvGrpSpPr/>
+        <p:nvPr/>
+      </p:nvGrpSpPr>
+      <p:grpSpPr>
+        <a:xfrm>
+          <a:off x="0" y="0"/>
+          <a:ext cx="0" cy="0"/>
+          <a:chOff x="0" y="0"/>
+          <a:chExt cx="0" cy="0"/>
+        </a:xfrm>
+      </p:grpSpPr>
+      <p:graphicFrame>
+        <p:nvGraphicFramePr>
+          <p:cNvPr id="4" name="Содержимое 3"/>
+          <p:cNvGraphicFramePr>
+            <a:graphicFrameLocks noGrp="1"/>
+          </p:cNvGraphicFramePr>
+          <p:nvPr>
+            <p:ph idx="1"/>
+          </p:nvPr>
+        </p:nvGraphicFramePr>
+        <p:xfrm>
+          <a:off x="-324544" y="620688"/>
+          <a:ext cx="9649072" cy="6237312"/>
+        </p:xfrm>
+        <a:graphic>
+          <a:graphicData uri="http://schemas.openxmlformats.org/drawingml/2006/chart">
+            <c:chart xmlns:c="http://schemas.openxmlformats.org/drawingml/2006/chart" xmlns:r="http://schemas.openxmlformats.org/officeDocument/2006/relationships" r:id="rId2"/>
+          </a:graphicData>
+        </a:graphic>
+      </p:graphicFrame>
+      <p:sp>
+        <p:nvSpPr>
+          <p:cNvPr id="3" name="Заголовок 1"/>
+          <p:cNvSpPr>
+            <a:spLocks noGrp="1"/>
+          </p:cNvSpPr>
+          <p:nvPr>
+            <p:ph type="title"/>
+          </p:nvPr>
+        </p:nvSpPr>
+        <p:spPr>
+          <a:xfrm>
+            <a:off x="0" y="260648"/>
+            <a:ext cx="8686800" cy="838200"/>
+          </a:xfrm>
+        </p:spPr>
+        <p:txBody>
+          <a:bodyPr/>
+          <a:lstStyle/>
+          <a:p>
+            <a:pPr algn="ctr"/>
+            <a:r>
+              <a:rPr lang="ru-RU" dirty="0" smtClean="0"/>
+              <a:t>Вопрос №4</a:t>
+            </a:r>
+            <a:endParaRPr lang="ru-RU" dirty="0"/>
+          </a:p>
+        </p:txBody>
+      </p:sp>
+      <p:sp>
+        <p:nvSpPr>
+          <p:cNvPr id="5" name="Стрелка вправо 4">
+            <a:hlinkClick r:id="rId3" action="ppaction://hlinksldjump" tooltip="Предыдущий вопрос"/>
+          </p:cNvPr>
+          <p:cNvSpPr/>
+          <p:nvPr/>
+        </p:nvSpPr>
+        <p:spPr>
+          <a:xfrm rot="10800000">
+            <a:off x="5508104" y="0"/>
+            <a:ext cx="1440160" cy="648072"/>
+          </a:xfrm>
+          <a:prstGeom prst="rightArrow">
+            <a:avLst/>
+          </a:prstGeom>
+        </p:spPr>
+        <p:style>
+          <a:lnRef idx="2">
+            <a:schemeClr val="accent1">
+              <a:shade val="50000"/>
+            </a:schemeClr>
+          </a:lnRef>
+          <a:fillRef idx="1">
+            <a:schemeClr val="accent1"/>
+          </a:fillRef>
+          <a:effectRef idx="0">
+            <a:schemeClr val="accent1"/>
+          </a:effectRef>
+          <a:fontRef idx="minor">
+            <a:schemeClr val="lt1"/>
+          </a:fontRef>
+        </p:style>
+        <p:txBody>
+          <a:bodyPr rtlCol="0" anchor="ctr"/>
+          <a:lstStyle/>
+          <a:p>
+            <a:pPr algn="ctr"/>
+            <a:endParaRPr lang="ru-RU"/>
+          </a:p>
+        </p:txBody>
+      </p:sp>
+      <p:sp>
+        <p:nvSpPr>
+          <p:cNvPr id="6" name="Овал 5">
+            <a:hlinkClick r:id="rId4" action="ppaction://hlinksldjump" tooltip="Вернуться к вопросам"/>
+          </p:cNvPr>
+          <p:cNvSpPr/>
+          <p:nvPr/>
+        </p:nvSpPr>
+        <p:spPr>
+          <a:xfrm>
+            <a:off x="7038261" y="144016"/>
+            <a:ext cx="504056" cy="360040"/>
+          </a:xfrm>
+          <a:prstGeom prst="ellipse">
+            <a:avLst/>
+          </a:prstGeom>
+        </p:spPr>
+        <p:style>
+          <a:lnRef idx="2">
+            <a:schemeClr val="accent1">
+              <a:shade val="50000"/>
+            </a:schemeClr>
+          </a:lnRef>
+          <a:fillRef idx="1">
+            <a:schemeClr val="accent1"/>
+          </a:fillRef>
+          <a:effectRef idx="0">
+            <a:schemeClr val="accent1"/>
+          </a:effectRef>
+          <a:fontRef idx="minor">
+            <a:schemeClr val="lt1"/>
+          </a:fontRef>
+        </p:style>
+        <p:txBody>
+          <a:bodyPr rtlCol="0" anchor="ctr"/>
+          <a:lstStyle/>
+          <a:p>
+            <a:pPr algn="ctr"/>
+            <a:endParaRPr lang="ru-RU"/>
+          </a:p>
+        </p:txBody>
+      </p:sp>
+      <p:sp>
+        <p:nvSpPr>
+          <p:cNvPr id="7" name="Стрелка вправо 6">
+            <a:hlinkClick r:id="rId5" action="ppaction://hlinksldjump" tooltip="Следующий вопрос"/>
+          </p:cNvPr>
+          <p:cNvSpPr/>
+          <p:nvPr/>
+        </p:nvSpPr>
+        <p:spPr>
+          <a:xfrm>
+            <a:off x="7703840" y="0"/>
             <a:ext cx="1440160" cy="648072"/>
           </a:xfrm>
           <a:prstGeom prst="rightArrow">
@@ -7848,97 +8188,13 @@
       </p:sp>
       <p:sp>
         <p:nvSpPr>
-          <p:cNvPr id="6" name="Овал 5">
-            <a:hlinkClick r:id="rId4" action="ppaction://hlinksldjump" tooltip="Вернуться к вопросам"/>
-          </p:cNvPr>
-          <p:cNvSpPr/>
-          <p:nvPr/>
-        </p:nvSpPr>
-        <p:spPr>
-          <a:xfrm>
-            <a:off x="7020272" y="6356296"/>
-            <a:ext cx="504056" cy="360040"/>
-          </a:xfrm>
-          <a:prstGeom prst="ellipse">
-            <a:avLst/>
-          </a:prstGeom>
-        </p:spPr>
-        <p:style>
-          <a:lnRef idx="2">
-            <a:schemeClr val="accent1">
-              <a:shade val="50000"/>
-            </a:schemeClr>
-          </a:lnRef>
-          <a:fillRef idx="1">
-            <a:schemeClr val="accent1"/>
-          </a:fillRef>
-          <a:effectRef idx="0">
-            <a:schemeClr val="accent1"/>
-          </a:effectRef>
-          <a:fontRef idx="minor">
-            <a:schemeClr val="lt1"/>
-          </a:fontRef>
-        </p:style>
-        <p:txBody>
-          <a:bodyPr rtlCol="0" anchor="ctr"/>
-          <a:lstStyle/>
-          <a:p>
-            <a:pPr algn="ctr"/>
-            <a:endParaRPr lang="ru-RU"/>
-          </a:p>
-        </p:txBody>
-      </p:sp>
-      <p:sp>
-        <p:nvSpPr>
-          <p:cNvPr id="7" name="Стрелка вправо 6">
-            <a:hlinkClick r:id="rId5" action="ppaction://hlinksldjump" tooltip="Предыдущий вопрос"/>
-          </p:cNvPr>
-          <p:cNvSpPr/>
-          <p:nvPr/>
-        </p:nvSpPr>
-        <p:spPr>
-          <a:xfrm rot="10800000">
-            <a:off x="5436096" y="6209928"/>
-            <a:ext cx="1440160" cy="648072"/>
-          </a:xfrm>
-          <a:prstGeom prst="rightArrow">
-            <a:avLst/>
-          </a:prstGeom>
-        </p:spPr>
-        <p:style>
-          <a:lnRef idx="2">
-            <a:schemeClr val="accent1">
-              <a:shade val="50000"/>
-            </a:schemeClr>
-          </a:lnRef>
-          <a:fillRef idx="1">
-            <a:schemeClr val="accent1"/>
-          </a:fillRef>
-          <a:effectRef idx="0">
-            <a:schemeClr val="accent1"/>
-          </a:effectRef>
-          <a:fontRef idx="minor">
-            <a:schemeClr val="lt1"/>
-          </a:fontRef>
-        </p:style>
-        <p:txBody>
-          <a:bodyPr rtlCol="0" anchor="ctr"/>
-          <a:lstStyle/>
-          <a:p>
-            <a:pPr algn="ctr"/>
-            <a:endParaRPr lang="ru-RU"/>
-          </a:p>
-        </p:txBody>
-      </p:sp>
-      <p:sp>
-        <p:nvSpPr>
           <p:cNvPr id="8" name="TextBox 7"/>
           <p:cNvSpPr txBox="1"/>
           <p:nvPr/>
         </p:nvSpPr>
         <p:spPr>
           <a:xfrm>
-            <a:off x="8104348" y="147990"/>
+            <a:off x="325310" y="87015"/>
             <a:ext cx="648072" cy="923330"/>
           </a:xfrm>
           <a:prstGeom prst="rect">
@@ -7982,7 +8238,7 @@
                   </a:outerShdw>
                   <a:reflection blurRad="10000" stA="55000" endPos="48000" dist="500" dir="5400000" sy="-100000" algn="bl" rotWithShape="0"/>
                 </a:effectLst>
-                <a:hlinkClick r:id="rId6" action="ppaction://hlinksldjump" tooltip="Смогли бы Вы отказаться от электронных устройств?"/>
+                <a:hlinkClick r:id="rId6" action="ppaction://hlinksldjump" tooltip="Сколько времени Вы проводите за вышеперечисленными устройствами?"/>
               </a:rPr>
               <a:t>?</a:t>
             </a:r>
@@ -8001,89 +8257,6 @@
                 <a:reflection blurRad="10000" stA="55000" endPos="48000" dist="500" dir="5400000" sy="-100000" algn="bl" rotWithShape="0"/>
               </a:effectLst>
             </a:endParaRPr>
-          </a:p>
-        </p:txBody>
-      </p:sp>
-    </p:spTree>
-  </p:cSld>
-  <p:clrMapOvr>
-    <a:masterClrMapping/>
-  </p:clrMapOvr>
-  <p:transition>
-    <p:randomBar dir="vert"/>
-  </p:transition>
-  <p:timing>
-    <p:tnLst>
-      <p:par>
-        <p:cTn id="1" dur="indefinite" restart="never" nodeType="tmRoot"/>
-      </p:par>
-    </p:tnLst>
-  </p:timing>
-</p:sld>
-</file>
-
-<file path=ppt/slides/slide9.xml><?xml version="1.0" encoding="utf-8"?>
-<p:sld xmlns:a="http://schemas.openxmlformats.org/drawingml/2006/main" xmlns:r="http://schemas.openxmlformats.org/officeDocument/2006/relationships" xmlns:p="http://schemas.openxmlformats.org/presentationml/2006/main">
-  <p:cSld>
-    <p:spTree>
-      <p:nvGrpSpPr>
-        <p:cNvPr id="1" name=""/>
-        <p:cNvGrpSpPr/>
-        <p:nvPr/>
-      </p:nvGrpSpPr>
-      <p:grpSpPr>
-        <a:xfrm>
-          <a:off x="0" y="0"/>
-          <a:ext cx="0" cy="0"/>
-          <a:chOff x="0" y="0"/>
-          <a:chExt cx="0" cy="0"/>
-        </a:xfrm>
-      </p:grpSpPr>
-      <p:sp>
-        <p:nvSpPr>
-          <p:cNvPr id="2" name="Заголовок 1"/>
-          <p:cNvSpPr>
-            <a:spLocks noGrp="1"/>
-          </p:cNvSpPr>
-          <p:nvPr>
-            <p:ph type="title"/>
-          </p:nvPr>
-        </p:nvSpPr>
-        <p:spPr/>
-        <p:txBody>
-          <a:bodyPr/>
-          <a:lstStyle/>
-          <a:p>
-            <a:pPr algn="ctr"/>
-            <a:r>
-              <a:rPr lang="ru-RU" dirty="0" smtClean="0"/>
-              <a:t>вывод</a:t>
-            </a:r>
-            <a:endParaRPr lang="ru-RU" dirty="0"/>
-          </a:p>
-        </p:txBody>
-      </p:sp>
-      <p:sp>
-        <p:nvSpPr>
-          <p:cNvPr id="3" name="Содержимое 2"/>
-          <p:cNvSpPr>
-            <a:spLocks noGrp="1"/>
-          </p:cNvSpPr>
-          <p:nvPr>
-            <p:ph idx="1"/>
-          </p:nvPr>
-        </p:nvSpPr>
-        <p:spPr/>
-        <p:txBody>
-          <a:bodyPr/>
-          <a:lstStyle/>
-          <a:p>
-            <a:pPr algn="ctr"/>
-            <a:r>
-              <a:rPr lang="ru-RU" dirty="0" smtClean="0"/>
-              <a:t>Люди очень зависимы от электронных устройств, они часто используют их в повседневной жизни, но лишь малая часть делает это правильно. Среди всех опрошенных, лишь примерно половина сможет отказаться от них, что ещё раз говорит о зависимости людей.</a:t>
-            </a:r>
-            <a:endParaRPr lang="ru-RU" dirty="0"/>
           </a:p>
         </p:txBody>
       </p:sp>
